--- a/doc/user/schematic.pptx
+++ b/doc/user/schematic.pptx
@@ -4,6 +4,9 @@
   <p:sldMasterIdLst>
     <p:sldMasterId id="2147483648" r:id="rId1"/>
   </p:sldMasterIdLst>
+  <p:notesMasterIdLst>
+    <p:notesMasterId r:id="rId3"/>
+  </p:notesMasterIdLst>
   <p:sldIdLst>
     <p:sldId id="256" r:id="rId2"/>
   </p:sldIdLst>
@@ -107,6 +110,440 @@
 </p:presentation>
 </file>
 
+<file path=ppt/notesMasters/notesMaster1.xml><?xml version="1.0" encoding="utf-8"?>
+<p:notesMaster xmlns:a="http://schemas.openxmlformats.org/drawingml/2006/main" xmlns:r="http://schemas.openxmlformats.org/officeDocument/2006/relationships" xmlns:p="http://schemas.openxmlformats.org/presentationml/2006/main">
+  <p:cSld>
+    <p:bg>
+      <p:bgRef idx="1001">
+        <a:schemeClr val="bg1"/>
+      </p:bgRef>
+    </p:bg>
+    <p:spTree>
+      <p:nvGrpSpPr>
+        <p:cNvPr id="1" name=""/>
+        <p:cNvGrpSpPr/>
+        <p:nvPr/>
+      </p:nvGrpSpPr>
+      <p:grpSpPr>
+        <a:xfrm>
+          <a:off x="0" y="0"/>
+          <a:ext cx="0" cy="0"/>
+          <a:chOff x="0" y="0"/>
+          <a:chExt cx="0" cy="0"/>
+        </a:xfrm>
+      </p:grpSpPr>
+      <p:sp>
+        <p:nvSpPr>
+          <p:cNvPr id="2" name="Header Placeholder 1"/>
+          <p:cNvSpPr>
+            <a:spLocks noGrp="1"/>
+          </p:cNvSpPr>
+          <p:nvPr>
+            <p:ph type="hdr" sz="quarter"/>
+          </p:nvPr>
+        </p:nvSpPr>
+        <p:spPr>
+          <a:xfrm>
+            <a:off x="0" y="0"/>
+            <a:ext cx="2971800" cy="457200"/>
+          </a:xfrm>
+          <a:prstGeom prst="rect">
+            <a:avLst/>
+          </a:prstGeom>
+        </p:spPr>
+        <p:txBody>
+          <a:bodyPr vert="horz" lIns="91440" tIns="45720" rIns="91440" bIns="45720" rtlCol="0"/>
+          <a:lstStyle>
+            <a:lvl1pPr algn="l">
+              <a:defRPr sz="1200"/>
+            </a:lvl1pPr>
+          </a:lstStyle>
+          <a:p>
+            <a:endParaRPr lang="en-US"/>
+          </a:p>
+        </p:txBody>
+      </p:sp>
+      <p:sp>
+        <p:nvSpPr>
+          <p:cNvPr id="3" name="Date Placeholder 2"/>
+          <p:cNvSpPr>
+            <a:spLocks noGrp="1"/>
+          </p:cNvSpPr>
+          <p:nvPr>
+            <p:ph type="dt" idx="1"/>
+          </p:nvPr>
+        </p:nvSpPr>
+        <p:spPr>
+          <a:xfrm>
+            <a:off x="3884613" y="0"/>
+            <a:ext cx="2971800" cy="457200"/>
+          </a:xfrm>
+          <a:prstGeom prst="rect">
+            <a:avLst/>
+          </a:prstGeom>
+        </p:spPr>
+        <p:txBody>
+          <a:bodyPr vert="horz" lIns="91440" tIns="45720" rIns="91440" bIns="45720" rtlCol="0"/>
+          <a:lstStyle>
+            <a:lvl1pPr algn="r">
+              <a:defRPr sz="1200"/>
+            </a:lvl1pPr>
+          </a:lstStyle>
+          <a:p>
+            <a:fld id="{B9514DE9-CE6D-7346-B6AB-D6C357691BE8}" type="datetimeFigureOut">
+              <a:rPr lang="en-US" smtClean="0"/>
+              <a:t>3/27/14</a:t>
+            </a:fld>
+            <a:endParaRPr lang="en-US"/>
+          </a:p>
+        </p:txBody>
+      </p:sp>
+      <p:sp>
+        <p:nvSpPr>
+          <p:cNvPr id="4" name="Slide Image Placeholder 3"/>
+          <p:cNvSpPr>
+            <a:spLocks noGrp="1" noRot="1" noChangeAspect="1"/>
+          </p:cNvSpPr>
+          <p:nvPr>
+            <p:ph type="sldImg" idx="2"/>
+          </p:nvPr>
+        </p:nvSpPr>
+        <p:spPr>
+          <a:xfrm>
+            <a:off x="-1714500" y="685800"/>
+            <a:ext cx="10287000" cy="3429000"/>
+          </a:xfrm>
+          <a:prstGeom prst="rect">
+            <a:avLst/>
+          </a:prstGeom>
+          <a:noFill/>
+          <a:ln w="12700">
+            <a:solidFill>
+              <a:prstClr val="black"/>
+            </a:solidFill>
+          </a:ln>
+        </p:spPr>
+        <p:txBody>
+          <a:bodyPr vert="horz" lIns="91440" tIns="45720" rIns="91440" bIns="45720" rtlCol="0" anchor="ctr"/>
+          <a:lstStyle/>
+          <a:p>
+            <a:endParaRPr lang="en-US"/>
+          </a:p>
+        </p:txBody>
+      </p:sp>
+      <p:sp>
+        <p:nvSpPr>
+          <p:cNvPr id="5" name="Notes Placeholder 4"/>
+          <p:cNvSpPr>
+            <a:spLocks noGrp="1"/>
+          </p:cNvSpPr>
+          <p:nvPr>
+            <p:ph type="body" sz="quarter" idx="3"/>
+          </p:nvPr>
+        </p:nvSpPr>
+        <p:spPr>
+          <a:xfrm>
+            <a:off x="685800" y="4343400"/>
+            <a:ext cx="5486400" cy="4114800"/>
+          </a:xfrm>
+          <a:prstGeom prst="rect">
+            <a:avLst/>
+          </a:prstGeom>
+        </p:spPr>
+        <p:txBody>
+          <a:bodyPr vert="horz" lIns="91440" tIns="45720" rIns="91440" bIns="45720" rtlCol="0"/>
+          <a:lstStyle/>
+          <a:p>
+            <a:pPr lvl="0"/>
+            <a:r>
+              <a:rPr lang="en-US" smtClean="0"/>
+              <a:t>Click to edit Master text styles</a:t>
+            </a:r>
+          </a:p>
+          <a:p>
+            <a:pPr lvl="1"/>
+            <a:r>
+              <a:rPr lang="en-US" smtClean="0"/>
+              <a:t>Second level</a:t>
+            </a:r>
+          </a:p>
+          <a:p>
+            <a:pPr lvl="2"/>
+            <a:r>
+              <a:rPr lang="en-US" smtClean="0"/>
+              <a:t>Third level</a:t>
+            </a:r>
+          </a:p>
+          <a:p>
+            <a:pPr lvl="3"/>
+            <a:r>
+              <a:rPr lang="en-US" smtClean="0"/>
+              <a:t>Fourth level</a:t>
+            </a:r>
+          </a:p>
+          <a:p>
+            <a:pPr lvl="4"/>
+            <a:r>
+              <a:rPr lang="en-US" smtClean="0"/>
+              <a:t>Fifth level</a:t>
+            </a:r>
+            <a:endParaRPr lang="en-US"/>
+          </a:p>
+        </p:txBody>
+      </p:sp>
+      <p:sp>
+        <p:nvSpPr>
+          <p:cNvPr id="6" name="Footer Placeholder 5"/>
+          <p:cNvSpPr>
+            <a:spLocks noGrp="1"/>
+          </p:cNvSpPr>
+          <p:nvPr>
+            <p:ph type="ftr" sz="quarter" idx="4"/>
+          </p:nvPr>
+        </p:nvSpPr>
+        <p:spPr>
+          <a:xfrm>
+            <a:off x="0" y="8685213"/>
+            <a:ext cx="2971800" cy="457200"/>
+          </a:xfrm>
+          <a:prstGeom prst="rect">
+            <a:avLst/>
+          </a:prstGeom>
+        </p:spPr>
+        <p:txBody>
+          <a:bodyPr vert="horz" lIns="91440" tIns="45720" rIns="91440" bIns="45720" rtlCol="0" anchor="b"/>
+          <a:lstStyle>
+            <a:lvl1pPr algn="l">
+              <a:defRPr sz="1200"/>
+            </a:lvl1pPr>
+          </a:lstStyle>
+          <a:p>
+            <a:endParaRPr lang="en-US"/>
+          </a:p>
+        </p:txBody>
+      </p:sp>
+      <p:sp>
+        <p:nvSpPr>
+          <p:cNvPr id="7" name="Slide Number Placeholder 6"/>
+          <p:cNvSpPr>
+            <a:spLocks noGrp="1"/>
+          </p:cNvSpPr>
+          <p:nvPr>
+            <p:ph type="sldNum" sz="quarter" idx="5"/>
+          </p:nvPr>
+        </p:nvSpPr>
+        <p:spPr>
+          <a:xfrm>
+            <a:off x="3884613" y="8685213"/>
+            <a:ext cx="2971800" cy="457200"/>
+          </a:xfrm>
+          <a:prstGeom prst="rect">
+            <a:avLst/>
+          </a:prstGeom>
+        </p:spPr>
+        <p:txBody>
+          <a:bodyPr vert="horz" lIns="91440" tIns="45720" rIns="91440" bIns="45720" rtlCol="0" anchor="b"/>
+          <a:lstStyle>
+            <a:lvl1pPr algn="r">
+              <a:defRPr sz="1200"/>
+            </a:lvl1pPr>
+          </a:lstStyle>
+          <a:p>
+            <a:fld id="{3B7D0005-73A7-A249-9C3C-4E59019780E0}" type="slidenum">
+              <a:rPr lang="en-US" smtClean="0"/>
+              <a:t>‹#›</a:t>
+            </a:fld>
+            <a:endParaRPr lang="en-US"/>
+          </a:p>
+        </p:txBody>
+      </p:sp>
+    </p:spTree>
+    <p:extLst>
+      <p:ext uri="{BB962C8B-B14F-4D97-AF65-F5344CB8AC3E}">
+        <p14:creationId xmlns:p14="http://schemas.microsoft.com/office/powerpoint/2010/main" val="33855976"/>
+      </p:ext>
+    </p:extLst>
+  </p:cSld>
+  <p:clrMap bg1="lt1" tx1="dk1" bg2="lt2" tx2="dk2" accent1="accent1" accent2="accent2" accent3="accent3" accent4="accent4" accent5="accent5" accent6="accent6" hlink="hlink" folHlink="folHlink"/>
+  <p:notesStyle>
+    <a:lvl1pPr marL="0" algn="l" defTabSz="457200" rtl="0" eaLnBrk="1" latinLnBrk="0" hangingPunct="1">
+      <a:defRPr sz="1200" kern="1200">
+        <a:solidFill>
+          <a:schemeClr val="tx1"/>
+        </a:solidFill>
+        <a:latin typeface="+mn-lt"/>
+        <a:ea typeface="+mn-ea"/>
+        <a:cs typeface="+mn-cs"/>
+      </a:defRPr>
+    </a:lvl1pPr>
+    <a:lvl2pPr marL="457200" algn="l" defTabSz="457200" rtl="0" eaLnBrk="1" latinLnBrk="0" hangingPunct="1">
+      <a:defRPr sz="1200" kern="1200">
+        <a:solidFill>
+          <a:schemeClr val="tx1"/>
+        </a:solidFill>
+        <a:latin typeface="+mn-lt"/>
+        <a:ea typeface="+mn-ea"/>
+        <a:cs typeface="+mn-cs"/>
+      </a:defRPr>
+    </a:lvl2pPr>
+    <a:lvl3pPr marL="914400" algn="l" defTabSz="457200" rtl="0" eaLnBrk="1" latinLnBrk="0" hangingPunct="1">
+      <a:defRPr sz="1200" kern="1200">
+        <a:solidFill>
+          <a:schemeClr val="tx1"/>
+        </a:solidFill>
+        <a:latin typeface="+mn-lt"/>
+        <a:ea typeface="+mn-ea"/>
+        <a:cs typeface="+mn-cs"/>
+      </a:defRPr>
+    </a:lvl3pPr>
+    <a:lvl4pPr marL="1371600" algn="l" defTabSz="457200" rtl="0" eaLnBrk="1" latinLnBrk="0" hangingPunct="1">
+      <a:defRPr sz="1200" kern="1200">
+        <a:solidFill>
+          <a:schemeClr val="tx1"/>
+        </a:solidFill>
+        <a:latin typeface="+mn-lt"/>
+        <a:ea typeface="+mn-ea"/>
+        <a:cs typeface="+mn-cs"/>
+      </a:defRPr>
+    </a:lvl4pPr>
+    <a:lvl5pPr marL="1828800" algn="l" defTabSz="457200" rtl="0" eaLnBrk="1" latinLnBrk="0" hangingPunct="1">
+      <a:defRPr sz="1200" kern="1200">
+        <a:solidFill>
+          <a:schemeClr val="tx1"/>
+        </a:solidFill>
+        <a:latin typeface="+mn-lt"/>
+        <a:ea typeface="+mn-ea"/>
+        <a:cs typeface="+mn-cs"/>
+      </a:defRPr>
+    </a:lvl5pPr>
+    <a:lvl6pPr marL="2286000" algn="l" defTabSz="457200" rtl="0" eaLnBrk="1" latinLnBrk="0" hangingPunct="1">
+      <a:defRPr sz="1200" kern="1200">
+        <a:solidFill>
+          <a:schemeClr val="tx1"/>
+        </a:solidFill>
+        <a:latin typeface="+mn-lt"/>
+        <a:ea typeface="+mn-ea"/>
+        <a:cs typeface="+mn-cs"/>
+      </a:defRPr>
+    </a:lvl6pPr>
+    <a:lvl7pPr marL="2743200" algn="l" defTabSz="457200" rtl="0" eaLnBrk="1" latinLnBrk="0" hangingPunct="1">
+      <a:defRPr sz="1200" kern="1200">
+        <a:solidFill>
+          <a:schemeClr val="tx1"/>
+        </a:solidFill>
+        <a:latin typeface="+mn-lt"/>
+        <a:ea typeface="+mn-ea"/>
+        <a:cs typeface="+mn-cs"/>
+      </a:defRPr>
+    </a:lvl7pPr>
+    <a:lvl8pPr marL="3200400" algn="l" defTabSz="457200" rtl="0" eaLnBrk="1" latinLnBrk="0" hangingPunct="1">
+      <a:defRPr sz="1200" kern="1200">
+        <a:solidFill>
+          <a:schemeClr val="tx1"/>
+        </a:solidFill>
+        <a:latin typeface="+mn-lt"/>
+        <a:ea typeface="+mn-ea"/>
+        <a:cs typeface="+mn-cs"/>
+      </a:defRPr>
+    </a:lvl8pPr>
+    <a:lvl9pPr marL="3657600" algn="l" defTabSz="457200" rtl="0" eaLnBrk="1" latinLnBrk="0" hangingPunct="1">
+      <a:defRPr sz="1200" kern="1200">
+        <a:solidFill>
+          <a:schemeClr val="tx1"/>
+        </a:solidFill>
+        <a:latin typeface="+mn-lt"/>
+        <a:ea typeface="+mn-ea"/>
+        <a:cs typeface="+mn-cs"/>
+      </a:defRPr>
+    </a:lvl9pPr>
+  </p:notesStyle>
+</p:notesMaster>
+</file>
+
+<file path=ppt/notesSlides/notesSlide1.xml><?xml version="1.0" encoding="utf-8"?>
+<p:notes xmlns:a="http://schemas.openxmlformats.org/drawingml/2006/main" xmlns:r="http://schemas.openxmlformats.org/officeDocument/2006/relationships" xmlns:p="http://schemas.openxmlformats.org/presentationml/2006/main">
+  <p:cSld>
+    <p:spTree>
+      <p:nvGrpSpPr>
+        <p:cNvPr id="1" name=""/>
+        <p:cNvGrpSpPr/>
+        <p:nvPr/>
+      </p:nvGrpSpPr>
+      <p:grpSpPr>
+        <a:xfrm>
+          <a:off x="0" y="0"/>
+          <a:ext cx="0" cy="0"/>
+          <a:chOff x="0" y="0"/>
+          <a:chExt cx="0" cy="0"/>
+        </a:xfrm>
+      </p:grpSpPr>
+      <p:sp>
+        <p:nvSpPr>
+          <p:cNvPr id="2" name="Slide Image Placeholder 1"/>
+          <p:cNvSpPr>
+            <a:spLocks noGrp="1" noRot="1" noChangeAspect="1"/>
+          </p:cNvSpPr>
+          <p:nvPr>
+            <p:ph type="sldImg"/>
+          </p:nvPr>
+        </p:nvSpPr>
+        <p:spPr/>
+      </p:sp>
+      <p:sp>
+        <p:nvSpPr>
+          <p:cNvPr id="3" name="Notes Placeholder 2"/>
+          <p:cNvSpPr>
+            <a:spLocks noGrp="1"/>
+          </p:cNvSpPr>
+          <p:nvPr>
+            <p:ph type="body" idx="1"/>
+          </p:nvPr>
+        </p:nvSpPr>
+        <p:spPr/>
+        <p:txBody>
+          <a:bodyPr/>
+          <a:lstStyle/>
+          <a:p>
+            <a:endParaRPr lang="en-US" dirty="0"/>
+          </a:p>
+        </p:txBody>
+      </p:sp>
+      <p:sp>
+        <p:nvSpPr>
+          <p:cNvPr id="4" name="Slide Number Placeholder 3"/>
+          <p:cNvSpPr>
+            <a:spLocks noGrp="1"/>
+          </p:cNvSpPr>
+          <p:nvPr>
+            <p:ph type="sldNum" sz="quarter" idx="10"/>
+          </p:nvPr>
+        </p:nvSpPr>
+        <p:spPr/>
+        <p:txBody>
+          <a:bodyPr/>
+          <a:lstStyle/>
+          <a:p>
+            <a:fld id="{3B7D0005-73A7-A249-9C3C-4E59019780E0}" type="slidenum">
+              <a:rPr lang="en-US" smtClean="0"/>
+              <a:t>1</a:t>
+            </a:fld>
+            <a:endParaRPr lang="en-US"/>
+          </a:p>
+        </p:txBody>
+      </p:sp>
+    </p:spTree>
+    <p:extLst>
+      <p:ext uri="{BB962C8B-B14F-4D97-AF65-F5344CB8AC3E}">
+        <p14:creationId xmlns:p14="http://schemas.microsoft.com/office/powerpoint/2010/main" val="281974522"/>
+      </p:ext>
+    </p:extLst>
+  </p:cSld>
+  <p:clrMapOvr>
+    <a:masterClrMapping/>
+  </p:clrMapOvr>
+</p:notes>
+</file>
+
 <file path=ppt/slideLayouts/slideLayout1.xml><?xml version="1.0" encoding="utf-8"?>
 <p:sldLayout xmlns:a="http://schemas.openxmlformats.org/drawingml/2006/main" xmlns:r="http://schemas.openxmlformats.org/officeDocument/2006/relationships" xmlns:p="http://schemas.openxmlformats.org/presentationml/2006/main" type="title" preserve="1">
   <p:cSld name="Title Slide">
@@ -288,7 +725,7 @@
           <a:p>
             <a:fld id="{C8826383-DF83-DD4D-AFD5-5D0AB3397AB2}" type="datetimeFigureOut">
               <a:rPr lang="en-US" smtClean="0"/>
-              <a:t>3/26/14</a:t>
+              <a:t>3/27/14</a:t>
             </a:fld>
             <a:endParaRPr lang="en-US"/>
           </a:p>
@@ -458,7 +895,7 @@
           <a:p>
             <a:fld id="{C8826383-DF83-DD4D-AFD5-5D0AB3397AB2}" type="datetimeFigureOut">
               <a:rPr lang="en-US" smtClean="0"/>
-              <a:t>3/26/14</a:t>
+              <a:t>3/27/14</a:t>
             </a:fld>
             <a:endParaRPr lang="en-US"/>
           </a:p>
@@ -638,7 +1075,7 @@
           <a:p>
             <a:fld id="{C8826383-DF83-DD4D-AFD5-5D0AB3397AB2}" type="datetimeFigureOut">
               <a:rPr lang="en-US" smtClean="0"/>
-              <a:t>3/26/14</a:t>
+              <a:t>3/27/14</a:t>
             </a:fld>
             <a:endParaRPr lang="en-US"/>
           </a:p>
@@ -808,7 +1245,7 @@
           <a:p>
             <a:fld id="{C8826383-DF83-DD4D-AFD5-5D0AB3397AB2}" type="datetimeFigureOut">
               <a:rPr lang="en-US" smtClean="0"/>
-              <a:t>3/26/14</a:t>
+              <a:t>3/27/14</a:t>
             </a:fld>
             <a:endParaRPr lang="en-US"/>
           </a:p>
@@ -1054,7 +1491,7 @@
           <a:p>
             <a:fld id="{C8826383-DF83-DD4D-AFD5-5D0AB3397AB2}" type="datetimeFigureOut">
               <a:rPr lang="en-US" smtClean="0"/>
-              <a:t>3/26/14</a:t>
+              <a:t>3/27/14</a:t>
             </a:fld>
             <a:endParaRPr lang="en-US"/>
           </a:p>
@@ -1342,7 +1779,7 @@
           <a:p>
             <a:fld id="{C8826383-DF83-DD4D-AFD5-5D0AB3397AB2}" type="datetimeFigureOut">
               <a:rPr lang="en-US" smtClean="0"/>
-              <a:t>3/26/14</a:t>
+              <a:t>3/27/14</a:t>
             </a:fld>
             <a:endParaRPr lang="en-US"/>
           </a:p>
@@ -1769,7 +2206,7 @@
           <a:p>
             <a:fld id="{C8826383-DF83-DD4D-AFD5-5D0AB3397AB2}" type="datetimeFigureOut">
               <a:rPr lang="en-US" smtClean="0"/>
-              <a:t>3/26/14</a:t>
+              <a:t>3/27/14</a:t>
             </a:fld>
             <a:endParaRPr lang="en-US"/>
           </a:p>
@@ -1887,7 +2324,7 @@
           <a:p>
             <a:fld id="{C8826383-DF83-DD4D-AFD5-5D0AB3397AB2}" type="datetimeFigureOut">
               <a:rPr lang="en-US" smtClean="0"/>
-              <a:t>3/26/14</a:t>
+              <a:t>3/27/14</a:t>
             </a:fld>
             <a:endParaRPr lang="en-US"/>
           </a:p>
@@ -1982,7 +2419,7 @@
           <a:p>
             <a:fld id="{C8826383-DF83-DD4D-AFD5-5D0AB3397AB2}" type="datetimeFigureOut">
               <a:rPr lang="en-US" smtClean="0"/>
-              <a:t>3/26/14</a:t>
+              <a:t>3/27/14</a:t>
             </a:fld>
             <a:endParaRPr lang="en-US"/>
           </a:p>
@@ -2259,7 +2696,7 @@
           <a:p>
             <a:fld id="{C8826383-DF83-DD4D-AFD5-5D0AB3397AB2}" type="datetimeFigureOut">
               <a:rPr lang="en-US" smtClean="0"/>
-              <a:t>3/26/14</a:t>
+              <a:t>3/27/14</a:t>
             </a:fld>
             <a:endParaRPr lang="en-US"/>
           </a:p>
@@ -2512,7 +2949,7 @@
           <a:p>
             <a:fld id="{C8826383-DF83-DD4D-AFD5-5D0AB3397AB2}" type="datetimeFigureOut">
               <a:rPr lang="en-US" smtClean="0"/>
-              <a:t>3/26/14</a:t>
+              <a:t>3/27/14</a:t>
             </a:fld>
             <a:endParaRPr lang="en-US"/>
           </a:p>
@@ -2725,7 +3162,7 @@
           <a:p>
             <a:fld id="{C8826383-DF83-DD4D-AFD5-5D0AB3397AB2}" type="datetimeFigureOut">
               <a:rPr lang="en-US" smtClean="0"/>
-              <a:t>3/26/14</a:t>
+              <a:t>3/27/14</a:t>
             </a:fld>
             <a:endParaRPr lang="en-US"/>
           </a:p>
@@ -3155,7 +3592,11 @@
           <a:lstStyle/>
           <a:p>
             <a:pPr algn="ctr"/>
-            <a:endParaRPr lang="en-US"/>
+            <a:r>
+              <a:rPr lang="en-US" dirty="0" smtClean="0"/>
+              <a:t>Pre-</a:t>
+            </a:r>
+            <a:endParaRPr lang="en-US" dirty="0"/>
           </a:p>
         </p:txBody>
       </p:sp>
@@ -3257,7 +3698,7 @@
         </p:nvSpPr>
         <p:spPr>
           <a:xfrm>
-            <a:off x="170598" y="322276"/>
+            <a:off x="161121" y="559251"/>
             <a:ext cx="1487998" cy="672989"/>
           </a:xfrm>
           <a:prstGeom prst="flowChartMagneticDrum">
@@ -3317,8 +3758,8 @@
         </p:nvSpPr>
         <p:spPr>
           <a:xfrm>
-            <a:off x="94777" y="1241712"/>
-            <a:ext cx="1563819" cy="691946"/>
+            <a:off x="323578" y="1605574"/>
+            <a:ext cx="1143000" cy="685800"/>
           </a:xfrm>
           <a:prstGeom prst="parallelogram">
             <a:avLst/>
@@ -3377,8 +3818,8 @@
         </p:nvSpPr>
         <p:spPr>
           <a:xfrm>
-            <a:off x="170598" y="2105016"/>
-            <a:ext cx="1563819" cy="691206"/>
+            <a:off x="323578" y="2664708"/>
+            <a:ext cx="1143000" cy="685800"/>
           </a:xfrm>
           <a:prstGeom prst="parallelogram">
             <a:avLst/>
@@ -3431,98 +3872,14 @@
       </p:sp>
       <p:sp>
         <p:nvSpPr>
-          <p:cNvPr id="3" name="TextBox 2"/>
-          <p:cNvSpPr txBox="1"/>
-          <p:nvPr/>
-        </p:nvSpPr>
-        <p:spPr>
-          <a:xfrm>
-            <a:off x="2445245" y="919436"/>
-            <a:ext cx="1133644" cy="369332"/>
-          </a:xfrm>
-          <a:prstGeom prst="rect">
-            <a:avLst/>
-          </a:prstGeom>
-          <a:noFill/>
-          <a:ln>
-            <a:solidFill>
-              <a:schemeClr val="tx1"/>
-            </a:solidFill>
-          </a:ln>
-          <a:effectLst>
-            <a:outerShdw blurRad="50800" dist="38100" dir="2700000" algn="tl" rotWithShape="0">
-              <a:srgbClr val="000000">
-                <a:alpha val="43000"/>
-              </a:srgbClr>
-            </a:outerShdw>
-          </a:effectLst>
-        </p:spPr>
-        <p:txBody>
-          <a:bodyPr wrap="none" rtlCol="0">
-            <a:spAutoFit/>
-          </a:bodyPr>
-          <a:lstStyle/>
-          <a:p>
-            <a:r>
-              <a:rPr lang="en-US" dirty="0" smtClean="0"/>
-              <a:t>tide-index</a:t>
-            </a:r>
-            <a:endParaRPr lang="en-US" dirty="0"/>
-          </a:p>
-        </p:txBody>
-      </p:sp>
-      <p:sp>
-        <p:nvSpPr>
-          <p:cNvPr id="6" name="TextBox 5"/>
-          <p:cNvSpPr txBox="1"/>
-          <p:nvPr/>
-        </p:nvSpPr>
-        <p:spPr>
-          <a:xfrm>
-            <a:off x="2540022" y="1920350"/>
-            <a:ext cx="957639" cy="369332"/>
-          </a:xfrm>
-          <a:prstGeom prst="rect">
-            <a:avLst/>
-          </a:prstGeom>
-          <a:noFill/>
-          <a:ln>
-            <a:solidFill>
-              <a:schemeClr val="tx1"/>
-            </a:solidFill>
-          </a:ln>
-          <a:effectLst>
-            <a:outerShdw blurRad="50800" dist="38100" dir="2700000" algn="tl" rotWithShape="0">
-              <a:srgbClr val="000000">
-                <a:alpha val="43000"/>
-              </a:srgbClr>
-            </a:outerShdw>
-          </a:effectLst>
-        </p:spPr>
-        <p:txBody>
-          <a:bodyPr wrap="none" rtlCol="0">
-            <a:spAutoFit/>
-          </a:bodyPr>
-          <a:lstStyle/>
-          <a:p>
-            <a:r>
-              <a:rPr lang="en-US" dirty="0" err="1" smtClean="0"/>
-              <a:t>bullseye</a:t>
-            </a:r>
-            <a:endParaRPr lang="en-US" dirty="0"/>
-          </a:p>
-        </p:txBody>
-      </p:sp>
-      <p:sp>
-        <p:nvSpPr>
           <p:cNvPr id="7" name="Parallelogram 6"/>
           <p:cNvSpPr/>
           <p:nvPr/>
         </p:nvSpPr>
         <p:spPr>
           <a:xfrm>
-            <a:off x="3791825" y="1241712"/>
-            <a:ext cx="1563819" cy="691946"/>
+            <a:off x="3653281" y="1156401"/>
+            <a:ext cx="1143000" cy="685800"/>
           </a:xfrm>
           <a:prstGeom prst="parallelogram">
             <a:avLst/>
@@ -3581,8 +3938,8 @@
         </p:nvSpPr>
         <p:spPr>
           <a:xfrm>
-            <a:off x="3791825" y="2105016"/>
-            <a:ext cx="1563819" cy="691946"/>
+            <a:off x="3643046" y="2228243"/>
+            <a:ext cx="1143000" cy="685800"/>
           </a:xfrm>
           <a:prstGeom prst="parallelogram">
             <a:avLst/>
@@ -3646,98 +4003,14 @@
       </p:sp>
       <p:sp>
         <p:nvSpPr>
-          <p:cNvPr id="10" name="TextBox 9"/>
-          <p:cNvSpPr txBox="1"/>
-          <p:nvPr/>
-        </p:nvSpPr>
-        <p:spPr>
-          <a:xfrm>
-            <a:off x="5990660" y="995265"/>
-            <a:ext cx="1235134" cy="369332"/>
-          </a:xfrm>
-          <a:prstGeom prst="rect">
-            <a:avLst/>
-          </a:prstGeom>
-          <a:noFill/>
-          <a:ln>
-            <a:solidFill>
-              <a:schemeClr val="tx1"/>
-            </a:solidFill>
-          </a:ln>
-          <a:effectLst>
-            <a:outerShdw blurRad="50800" dist="38100" dir="2700000" algn="tl" rotWithShape="0">
-              <a:srgbClr val="000000">
-                <a:alpha val="43000"/>
-              </a:srgbClr>
-            </a:outerShdw>
-          </a:effectLst>
-        </p:spPr>
-        <p:txBody>
-          <a:bodyPr wrap="none" rtlCol="0">
-            <a:spAutoFit/>
-          </a:bodyPr>
-          <a:lstStyle/>
-          <a:p>
-            <a:r>
-              <a:rPr lang="en-US" dirty="0" smtClean="0"/>
-              <a:t>tide-search</a:t>
-            </a:r>
-            <a:endParaRPr lang="en-US" dirty="0"/>
-          </a:p>
-        </p:txBody>
-      </p:sp>
-      <p:sp>
-        <p:nvSpPr>
-          <p:cNvPr id="11" name="TextBox 10"/>
-          <p:cNvSpPr txBox="1"/>
-          <p:nvPr/>
-        </p:nvSpPr>
-        <p:spPr>
-          <a:xfrm>
-            <a:off x="5986981" y="1920350"/>
-            <a:ext cx="780570" cy="369332"/>
-          </a:xfrm>
-          <a:prstGeom prst="rect">
-            <a:avLst/>
-          </a:prstGeom>
-          <a:noFill/>
-          <a:ln>
-            <a:solidFill>
-              <a:schemeClr val="tx1"/>
-            </a:solidFill>
-          </a:ln>
-          <a:effectLst>
-            <a:outerShdw blurRad="50800" dist="38100" dir="2700000" algn="tl" rotWithShape="0">
-              <a:srgbClr val="000000">
-                <a:alpha val="43000"/>
-              </a:srgbClr>
-            </a:outerShdw>
-          </a:effectLst>
-        </p:spPr>
-        <p:txBody>
-          <a:bodyPr wrap="none" rtlCol="0">
-            <a:spAutoFit/>
-          </a:bodyPr>
-          <a:lstStyle/>
-          <a:p>
-            <a:r>
-              <a:rPr lang="en-US" dirty="0" smtClean="0"/>
-              <a:t>comet</a:t>
-            </a:r>
-            <a:endParaRPr lang="en-US" dirty="0"/>
-          </a:p>
-        </p:txBody>
-      </p:sp>
-      <p:sp>
-        <p:nvSpPr>
           <p:cNvPr id="12" name="Parallelogram 11"/>
           <p:cNvSpPr/>
           <p:nvPr/>
         </p:nvSpPr>
         <p:spPr>
           <a:xfrm>
-            <a:off x="7394106" y="1228404"/>
-            <a:ext cx="1563819" cy="691946"/>
+            <a:off x="6177819" y="1644032"/>
+            <a:ext cx="1143000" cy="685800"/>
           </a:xfrm>
           <a:prstGeom prst="parallelogram">
             <a:avLst/>
@@ -3790,31 +4063,943 @@
       </p:sp>
       <p:sp>
         <p:nvSpPr>
-          <p:cNvPr id="13" name="TextBox 12"/>
+          <p:cNvPr id="21" name="Parallelogram 20"/>
+          <p:cNvSpPr/>
+          <p:nvPr/>
+        </p:nvSpPr>
+        <p:spPr>
+          <a:xfrm>
+            <a:off x="9470444" y="233636"/>
+            <a:ext cx="1143000" cy="685800"/>
+          </a:xfrm>
+          <a:prstGeom prst="parallelogram">
+            <a:avLst/>
+          </a:prstGeom>
+          <a:solidFill>
+            <a:schemeClr val="bg2">
+              <a:lumMod val="75000"/>
+            </a:schemeClr>
+          </a:solidFill>
+          <a:ln>
+            <a:solidFill>
+              <a:schemeClr val="tx1"/>
+            </a:solidFill>
+          </a:ln>
+        </p:spPr>
+        <p:style>
+          <a:lnRef idx="1">
+            <a:schemeClr val="accent1"/>
+          </a:lnRef>
+          <a:fillRef idx="3">
+            <a:schemeClr val="accent1"/>
+          </a:fillRef>
+          <a:effectRef idx="2">
+            <a:schemeClr val="accent1"/>
+          </a:effectRef>
+          <a:fontRef idx="minor">
+            <a:schemeClr val="lt1"/>
+          </a:fontRef>
+        </p:style>
+        <p:txBody>
+          <a:bodyPr rtlCol="0" anchor="ctr"/>
+          <a:lstStyle/>
+          <a:p>
+            <a:pPr algn="ctr"/>
+            <a:r>
+              <a:rPr lang="en-US" sz="1200" dirty="0" smtClean="0">
+                <a:solidFill>
+                  <a:schemeClr val="tx1"/>
+                </a:solidFill>
+              </a:rPr>
+              <a:t>Proteins</a:t>
+            </a:r>
+            <a:endParaRPr lang="en-US" sz="1200" dirty="0">
+              <a:solidFill>
+                <a:schemeClr val="tx1"/>
+              </a:solidFill>
+            </a:endParaRPr>
+          </a:p>
+        </p:txBody>
+      </p:sp>
+      <p:sp>
+        <p:nvSpPr>
+          <p:cNvPr id="22" name="Parallelogram 21"/>
+          <p:cNvSpPr/>
+          <p:nvPr/>
+        </p:nvSpPr>
+        <p:spPr>
+          <a:xfrm>
+            <a:off x="9470444" y="1041983"/>
+            <a:ext cx="1143000" cy="685800"/>
+          </a:xfrm>
+          <a:prstGeom prst="parallelogram">
+            <a:avLst/>
+          </a:prstGeom>
+          <a:solidFill>
+            <a:schemeClr val="bg2">
+              <a:lumMod val="75000"/>
+            </a:schemeClr>
+          </a:solidFill>
+          <a:ln>
+            <a:solidFill>
+              <a:schemeClr val="tx1"/>
+            </a:solidFill>
+          </a:ln>
+        </p:spPr>
+        <p:style>
+          <a:lnRef idx="1">
+            <a:schemeClr val="accent1"/>
+          </a:lnRef>
+          <a:fillRef idx="3">
+            <a:schemeClr val="accent1"/>
+          </a:fillRef>
+          <a:effectRef idx="2">
+            <a:schemeClr val="accent1"/>
+          </a:effectRef>
+          <a:fontRef idx="minor">
+            <a:schemeClr val="lt1"/>
+          </a:fontRef>
+        </p:style>
+        <p:txBody>
+          <a:bodyPr rtlCol="0" anchor="ctr"/>
+          <a:lstStyle/>
+          <a:p>
+            <a:pPr algn="ctr"/>
+            <a:r>
+              <a:rPr lang="en-US" sz="1200" dirty="0" smtClean="0">
+                <a:solidFill>
+                  <a:schemeClr val="tx1"/>
+                </a:solidFill>
+              </a:rPr>
+              <a:t>Peptides</a:t>
+            </a:r>
+            <a:endParaRPr lang="en-US" sz="1200" dirty="0">
+              <a:solidFill>
+                <a:schemeClr val="tx1"/>
+              </a:solidFill>
+            </a:endParaRPr>
+          </a:p>
+        </p:txBody>
+      </p:sp>
+      <p:sp>
+        <p:nvSpPr>
+          <p:cNvPr id="23" name="Parallelogram 22"/>
+          <p:cNvSpPr/>
+          <p:nvPr/>
+        </p:nvSpPr>
+        <p:spPr>
+          <a:xfrm>
+            <a:off x="9470444" y="1850330"/>
+            <a:ext cx="1143000" cy="685800"/>
+          </a:xfrm>
+          <a:prstGeom prst="parallelogram">
+            <a:avLst/>
+          </a:prstGeom>
+          <a:solidFill>
+            <a:schemeClr val="bg2">
+              <a:lumMod val="75000"/>
+            </a:schemeClr>
+          </a:solidFill>
+          <a:ln>
+            <a:solidFill>
+              <a:schemeClr val="tx1"/>
+            </a:solidFill>
+          </a:ln>
+        </p:spPr>
+        <p:style>
+          <a:lnRef idx="1">
+            <a:schemeClr val="accent1"/>
+          </a:lnRef>
+          <a:fillRef idx="3">
+            <a:schemeClr val="accent1"/>
+          </a:fillRef>
+          <a:effectRef idx="2">
+            <a:schemeClr val="accent1"/>
+          </a:effectRef>
+          <a:fontRef idx="minor">
+            <a:schemeClr val="lt1"/>
+          </a:fontRef>
+        </p:style>
+        <p:txBody>
+          <a:bodyPr rtlCol="0" anchor="ctr"/>
+          <a:lstStyle/>
+          <a:p>
+            <a:pPr algn="ctr"/>
+            <a:r>
+              <a:rPr lang="en-US" sz="1200" dirty="0" smtClean="0">
+                <a:solidFill>
+                  <a:schemeClr val="tx1"/>
+                </a:solidFill>
+              </a:rPr>
+              <a:t>Peptide-spectrum matches</a:t>
+            </a:r>
+            <a:endParaRPr lang="en-US" sz="1200" dirty="0">
+              <a:solidFill>
+                <a:schemeClr val="tx1"/>
+              </a:solidFill>
+            </a:endParaRPr>
+          </a:p>
+        </p:txBody>
+      </p:sp>
+      <p:sp>
+        <p:nvSpPr>
+          <p:cNvPr id="24" name="Parallelogram 23"/>
+          <p:cNvSpPr/>
+          <p:nvPr/>
+        </p:nvSpPr>
+        <p:spPr>
+          <a:xfrm>
+            <a:off x="9470444" y="2658676"/>
+            <a:ext cx="1143000" cy="685800"/>
+          </a:xfrm>
+          <a:prstGeom prst="parallelogram">
+            <a:avLst/>
+          </a:prstGeom>
+          <a:solidFill>
+            <a:schemeClr val="bg2">
+              <a:lumMod val="75000"/>
+            </a:schemeClr>
+          </a:solidFill>
+          <a:ln>
+            <a:solidFill>
+              <a:schemeClr val="tx1"/>
+            </a:solidFill>
+          </a:ln>
+        </p:spPr>
+        <p:style>
+          <a:lnRef idx="1">
+            <a:schemeClr val="accent1"/>
+          </a:lnRef>
+          <a:fillRef idx="3">
+            <a:schemeClr val="accent1"/>
+          </a:fillRef>
+          <a:effectRef idx="2">
+            <a:schemeClr val="accent1"/>
+          </a:effectRef>
+          <a:fontRef idx="minor">
+            <a:schemeClr val="lt1"/>
+          </a:fontRef>
+        </p:style>
+        <p:txBody>
+          <a:bodyPr rtlCol="0" anchor="ctr"/>
+          <a:lstStyle/>
+          <a:p>
+            <a:pPr algn="ctr"/>
+            <a:r>
+              <a:rPr lang="en-US" sz="1200" dirty="0" smtClean="0">
+                <a:solidFill>
+                  <a:schemeClr val="tx1"/>
+                </a:solidFill>
+              </a:rPr>
+              <a:t>Spectral counts</a:t>
+            </a:r>
+            <a:endParaRPr lang="en-US" sz="1200" dirty="0">
+              <a:solidFill>
+                <a:schemeClr val="tx1"/>
+              </a:solidFill>
+            </a:endParaRPr>
+          </a:p>
+        </p:txBody>
+      </p:sp>
+      <p:grpSp>
+        <p:nvGrpSpPr>
+          <p:cNvPr id="31" name="Group 30"/>
+          <p:cNvGrpSpPr/>
+          <p:nvPr/>
+        </p:nvGrpSpPr>
+        <p:grpSpPr>
+          <a:xfrm>
+            <a:off x="2354536" y="574880"/>
+            <a:ext cx="1197764" cy="2774963"/>
+            <a:chOff x="2354536" y="574880"/>
+            <a:chExt cx="1197764" cy="2774963"/>
+          </a:xfrm>
+        </p:grpSpPr>
+        <p:sp>
+          <p:nvSpPr>
+            <p:cNvPr id="8" name="Rectangle 7"/>
+            <p:cNvSpPr/>
+            <p:nvPr/>
+          </p:nvSpPr>
+          <p:spPr>
+            <a:xfrm>
+              <a:off x="2360707" y="606643"/>
+              <a:ext cx="1179576" cy="2743200"/>
+            </a:xfrm>
+            <a:prstGeom prst="rect">
+              <a:avLst/>
+            </a:prstGeom>
+            <a:solidFill>
+              <a:schemeClr val="accent3">
+                <a:lumMod val="60000"/>
+                <a:lumOff val="40000"/>
+              </a:schemeClr>
+            </a:solidFill>
+            <a:ln>
+              <a:solidFill>
+                <a:schemeClr val="accent3"/>
+              </a:solidFill>
+            </a:ln>
+          </p:spPr>
+          <p:style>
+            <a:lnRef idx="1">
+              <a:schemeClr val="accent1"/>
+            </a:lnRef>
+            <a:fillRef idx="3">
+              <a:schemeClr val="accent1"/>
+            </a:fillRef>
+            <a:effectRef idx="2">
+              <a:schemeClr val="accent1"/>
+            </a:effectRef>
+            <a:fontRef idx="minor">
+              <a:schemeClr val="lt1"/>
+            </a:fontRef>
+          </p:style>
+          <p:txBody>
+            <a:bodyPr rtlCol="0" anchor="ctr"/>
+            <a:lstStyle/>
+            <a:p>
+              <a:pPr algn="ctr"/>
+              <a:endParaRPr lang="en-US"/>
+            </a:p>
+          </p:txBody>
+        </p:sp>
+        <p:sp>
+          <p:nvSpPr>
+            <p:cNvPr id="3" name="TextBox 2"/>
+            <p:cNvSpPr txBox="1"/>
+            <p:nvPr/>
+          </p:nvSpPr>
+          <p:spPr>
+            <a:xfrm>
+              <a:off x="2487228" y="1346006"/>
+              <a:ext cx="920256" cy="307777"/>
+            </a:xfrm>
+            <a:prstGeom prst="rect">
+              <a:avLst/>
+            </a:prstGeom>
+            <a:noFill/>
+            <a:ln>
+              <a:solidFill>
+                <a:schemeClr val="tx1"/>
+              </a:solidFill>
+            </a:ln>
+            <a:effectLst>
+              <a:outerShdw blurRad="50800" dist="38100" dir="2700000" algn="tl" rotWithShape="0">
+                <a:srgbClr val="000000">
+                  <a:alpha val="43000"/>
+                </a:srgbClr>
+              </a:outerShdw>
+            </a:effectLst>
+          </p:spPr>
+          <p:txBody>
+            <a:bodyPr wrap="none" rtlCol="0">
+              <a:spAutoFit/>
+            </a:bodyPr>
+            <a:lstStyle/>
+            <a:p>
+              <a:r>
+                <a:rPr lang="en-US" sz="1400" dirty="0" smtClean="0"/>
+                <a:t>tide-index</a:t>
+              </a:r>
+              <a:endParaRPr lang="en-US" sz="1400" dirty="0"/>
+            </a:p>
+          </p:txBody>
+        </p:sp>
+        <p:sp>
+          <p:nvSpPr>
+            <p:cNvPr id="6" name="TextBox 5"/>
+            <p:cNvSpPr txBox="1"/>
+            <p:nvPr/>
+          </p:nvSpPr>
+          <p:spPr>
+            <a:xfrm>
+              <a:off x="2553659" y="2416686"/>
+              <a:ext cx="787395" cy="307777"/>
+            </a:xfrm>
+            <a:prstGeom prst="rect">
+              <a:avLst/>
+            </a:prstGeom>
+            <a:noFill/>
+            <a:ln>
+              <a:solidFill>
+                <a:schemeClr val="tx1"/>
+              </a:solidFill>
+            </a:ln>
+            <a:effectLst>
+              <a:outerShdw blurRad="50800" dist="38100" dir="2700000" algn="tl" rotWithShape="0">
+                <a:srgbClr val="000000">
+                  <a:alpha val="43000"/>
+                </a:srgbClr>
+              </a:outerShdw>
+            </a:effectLst>
+          </p:spPr>
+          <p:txBody>
+            <a:bodyPr wrap="none" rtlCol="0">
+              <a:spAutoFit/>
+            </a:bodyPr>
+            <a:lstStyle/>
+            <a:p>
+              <a:r>
+                <a:rPr lang="en-US" sz="1400" dirty="0" err="1" smtClean="0"/>
+                <a:t>bullseye</a:t>
+              </a:r>
+              <a:endParaRPr lang="en-US" sz="1400" dirty="0"/>
+            </a:p>
+          </p:txBody>
+        </p:sp>
+        <p:sp>
+          <p:nvSpPr>
+            <p:cNvPr id="27" name="TextBox 26"/>
+            <p:cNvSpPr txBox="1"/>
+            <p:nvPr/>
+          </p:nvSpPr>
+          <p:spPr>
+            <a:xfrm>
+              <a:off x="2354536" y="574880"/>
+              <a:ext cx="1197764" cy="276999"/>
+            </a:xfrm>
+            <a:prstGeom prst="rect">
+              <a:avLst/>
+            </a:prstGeom>
+            <a:noFill/>
+          </p:spPr>
+          <p:txBody>
+            <a:bodyPr wrap="none" rtlCol="0">
+              <a:spAutoFit/>
+            </a:bodyPr>
+            <a:lstStyle/>
+            <a:p>
+              <a:r>
+                <a:rPr lang="en-US" sz="1200" dirty="0" smtClean="0"/>
+                <a:t>Pre-search tools</a:t>
+              </a:r>
+              <a:endParaRPr lang="en-US" sz="1200" dirty="0"/>
+            </a:p>
+          </p:txBody>
+        </p:sp>
+      </p:grpSp>
+      <p:grpSp>
+        <p:nvGrpSpPr>
+          <p:cNvPr id="32" name="Group 31"/>
+          <p:cNvGrpSpPr/>
+          <p:nvPr/>
+        </p:nvGrpSpPr>
+        <p:grpSpPr>
+          <a:xfrm>
+            <a:off x="4897262" y="574880"/>
+            <a:ext cx="1179576" cy="2782580"/>
+            <a:chOff x="4914565" y="574880"/>
+            <a:chExt cx="1179576" cy="2782580"/>
+          </a:xfrm>
+        </p:grpSpPr>
+        <p:sp>
+          <p:nvSpPr>
+            <p:cNvPr id="25" name="Rectangle 24"/>
+            <p:cNvSpPr/>
+            <p:nvPr/>
+          </p:nvSpPr>
+          <p:spPr>
+            <a:xfrm>
+              <a:off x="4914565" y="614260"/>
+              <a:ext cx="1179576" cy="2743200"/>
+            </a:xfrm>
+            <a:prstGeom prst="rect">
+              <a:avLst/>
+            </a:prstGeom>
+            <a:solidFill>
+              <a:schemeClr val="accent3">
+                <a:lumMod val="60000"/>
+                <a:lumOff val="40000"/>
+              </a:schemeClr>
+            </a:solidFill>
+            <a:ln>
+              <a:solidFill>
+                <a:schemeClr val="accent3"/>
+              </a:solidFill>
+            </a:ln>
+          </p:spPr>
+          <p:style>
+            <a:lnRef idx="1">
+              <a:schemeClr val="accent1"/>
+            </a:lnRef>
+            <a:fillRef idx="3">
+              <a:schemeClr val="accent1"/>
+            </a:fillRef>
+            <a:effectRef idx="2">
+              <a:schemeClr val="accent1"/>
+            </a:effectRef>
+            <a:fontRef idx="minor">
+              <a:schemeClr val="lt1"/>
+            </a:fontRef>
+          </p:style>
+          <p:txBody>
+            <a:bodyPr rtlCol="0" anchor="ctr"/>
+            <a:lstStyle/>
+            <a:p>
+              <a:pPr algn="ctr"/>
+              <a:endParaRPr lang="en-US"/>
+            </a:p>
+          </p:txBody>
+        </p:sp>
+        <p:sp>
+          <p:nvSpPr>
+            <p:cNvPr id="10" name="TextBox 9"/>
+            <p:cNvSpPr txBox="1"/>
+            <p:nvPr/>
+          </p:nvSpPr>
+          <p:spPr>
+            <a:xfrm>
+              <a:off x="4992595" y="985819"/>
+              <a:ext cx="1001696" cy="307777"/>
+            </a:xfrm>
+            <a:prstGeom prst="rect">
+              <a:avLst/>
+            </a:prstGeom>
+            <a:noFill/>
+            <a:ln>
+              <a:solidFill>
+                <a:schemeClr val="tx1"/>
+              </a:solidFill>
+            </a:ln>
+            <a:effectLst>
+              <a:outerShdw blurRad="50800" dist="38100" dir="2700000" algn="tl" rotWithShape="0">
+                <a:srgbClr val="000000">
+                  <a:alpha val="43000"/>
+                </a:srgbClr>
+              </a:outerShdw>
+            </a:effectLst>
+          </p:spPr>
+          <p:txBody>
+            <a:bodyPr wrap="none" rtlCol="0">
+              <a:spAutoFit/>
+            </a:bodyPr>
+            <a:lstStyle/>
+            <a:p>
+              <a:r>
+                <a:rPr lang="en-US" sz="1400" dirty="0" smtClean="0"/>
+                <a:t>tide-search</a:t>
+              </a:r>
+              <a:endParaRPr lang="en-US" sz="1400" dirty="0"/>
+            </a:p>
+          </p:txBody>
+        </p:sp>
+        <p:sp>
+          <p:nvSpPr>
+            <p:cNvPr id="11" name="TextBox 10"/>
+            <p:cNvSpPr txBox="1"/>
+            <p:nvPr/>
+          </p:nvSpPr>
+          <p:spPr>
+            <a:xfrm>
+              <a:off x="5177698" y="1866456"/>
+              <a:ext cx="648147" cy="307777"/>
+            </a:xfrm>
+            <a:prstGeom prst="rect">
+              <a:avLst/>
+            </a:prstGeom>
+            <a:noFill/>
+            <a:ln>
+              <a:solidFill>
+                <a:schemeClr val="tx1"/>
+              </a:solidFill>
+            </a:ln>
+            <a:effectLst>
+              <a:outerShdw blurRad="50800" dist="38100" dir="2700000" algn="tl" rotWithShape="0">
+                <a:srgbClr val="000000">
+                  <a:alpha val="43000"/>
+                </a:srgbClr>
+              </a:outerShdw>
+            </a:effectLst>
+          </p:spPr>
+          <p:txBody>
+            <a:bodyPr wrap="none" rtlCol="0">
+              <a:spAutoFit/>
+            </a:bodyPr>
+            <a:lstStyle/>
+            <a:p>
+              <a:r>
+                <a:rPr lang="en-US" sz="1400" dirty="0" smtClean="0"/>
+                <a:t>comet</a:t>
+              </a:r>
+              <a:endParaRPr lang="en-US" sz="1400" dirty="0"/>
+            </a:p>
+          </p:txBody>
+        </p:sp>
+        <p:sp>
+          <p:nvSpPr>
+            <p:cNvPr id="16" name="TextBox 15"/>
+            <p:cNvSpPr txBox="1"/>
+            <p:nvPr/>
+          </p:nvSpPr>
+          <p:spPr>
+            <a:xfrm>
+              <a:off x="5009251" y="2747093"/>
+              <a:ext cx="985040" cy="523220"/>
+            </a:xfrm>
+            <a:prstGeom prst="rect">
+              <a:avLst/>
+            </a:prstGeom>
+            <a:noFill/>
+            <a:ln>
+              <a:solidFill>
+                <a:schemeClr val="tx1"/>
+              </a:solidFill>
+            </a:ln>
+            <a:effectLst>
+              <a:outerShdw blurRad="50800" dist="38100" dir="2700000" algn="tl" rotWithShape="0">
+                <a:srgbClr val="000000">
+                  <a:alpha val="43000"/>
+                </a:srgbClr>
+              </a:outerShdw>
+            </a:effectLst>
+          </p:spPr>
+          <p:txBody>
+            <a:bodyPr wrap="none" rtlCol="0">
+              <a:spAutoFit/>
+            </a:bodyPr>
+            <a:lstStyle/>
+            <a:p>
+              <a:pPr algn="ctr"/>
+              <a:r>
+                <a:rPr lang="en-US" sz="1400" dirty="0" smtClean="0"/>
+                <a:t>search-</a:t>
+              </a:r>
+              <a:r>
+                <a:rPr lang="en-US" sz="1400" dirty="0" smtClean="0"/>
+                <a:t>for-</a:t>
+              </a:r>
+            </a:p>
+            <a:p>
+              <a:pPr algn="ctr"/>
+              <a:r>
+                <a:rPr lang="en-US" sz="1400" dirty="0" err="1" smtClean="0"/>
+                <a:t>xlinks</a:t>
+              </a:r>
+              <a:endParaRPr lang="en-US" sz="1400" dirty="0"/>
+            </a:p>
+          </p:txBody>
+        </p:sp>
+        <p:sp>
+          <p:nvSpPr>
+            <p:cNvPr id="28" name="TextBox 27"/>
+            <p:cNvSpPr txBox="1"/>
+            <p:nvPr/>
+          </p:nvSpPr>
+          <p:spPr>
+            <a:xfrm>
+              <a:off x="5019591" y="574880"/>
+              <a:ext cx="954107" cy="276999"/>
+            </a:xfrm>
+            <a:prstGeom prst="rect">
+              <a:avLst/>
+            </a:prstGeom>
+            <a:noFill/>
+          </p:spPr>
+          <p:txBody>
+            <a:bodyPr wrap="none" rtlCol="0">
+              <a:spAutoFit/>
+            </a:bodyPr>
+            <a:lstStyle/>
+            <a:p>
+              <a:r>
+                <a:rPr lang="en-US" sz="1200" dirty="0" smtClean="0"/>
+                <a:t>Search tools</a:t>
+              </a:r>
+              <a:endParaRPr lang="en-US" sz="1200" dirty="0"/>
+            </a:p>
+          </p:txBody>
+        </p:sp>
+      </p:grpSp>
+      <p:grpSp>
+        <p:nvGrpSpPr>
+          <p:cNvPr id="33" name="Group 32"/>
+          <p:cNvGrpSpPr/>
+          <p:nvPr/>
+        </p:nvGrpSpPr>
+        <p:grpSpPr>
+          <a:xfrm>
+            <a:off x="7421800" y="574880"/>
+            <a:ext cx="1261884" cy="2782585"/>
+            <a:chOff x="7421800" y="574880"/>
+            <a:chExt cx="1261884" cy="2782585"/>
+          </a:xfrm>
+        </p:grpSpPr>
+        <p:sp>
+          <p:nvSpPr>
+            <p:cNvPr id="26" name="Rectangle 25"/>
+            <p:cNvSpPr/>
+            <p:nvPr/>
+          </p:nvSpPr>
+          <p:spPr>
+            <a:xfrm>
+              <a:off x="7468422" y="614265"/>
+              <a:ext cx="1179576" cy="2743200"/>
+            </a:xfrm>
+            <a:prstGeom prst="rect">
+              <a:avLst/>
+            </a:prstGeom>
+            <a:solidFill>
+              <a:schemeClr val="accent3">
+                <a:lumMod val="60000"/>
+                <a:lumOff val="40000"/>
+              </a:schemeClr>
+            </a:solidFill>
+            <a:ln>
+              <a:solidFill>
+                <a:schemeClr val="accent3"/>
+              </a:solidFill>
+            </a:ln>
+          </p:spPr>
+          <p:style>
+            <a:lnRef idx="1">
+              <a:schemeClr val="accent1"/>
+            </a:lnRef>
+            <a:fillRef idx="3">
+              <a:schemeClr val="accent1"/>
+            </a:fillRef>
+            <a:effectRef idx="2">
+              <a:schemeClr val="accent1"/>
+            </a:effectRef>
+            <a:fontRef idx="minor">
+              <a:schemeClr val="lt1"/>
+            </a:fontRef>
+          </p:style>
+          <p:txBody>
+            <a:bodyPr rtlCol="0" anchor="ctr"/>
+            <a:lstStyle/>
+            <a:p>
+              <a:pPr algn="ctr"/>
+              <a:endParaRPr lang="en-US"/>
+            </a:p>
+          </p:txBody>
+        </p:sp>
+        <p:sp>
+          <p:nvSpPr>
+            <p:cNvPr id="13" name="TextBox 12"/>
+            <p:cNvSpPr txBox="1"/>
+            <p:nvPr/>
+          </p:nvSpPr>
+          <p:spPr>
+            <a:xfrm>
+              <a:off x="7578633" y="985466"/>
+              <a:ext cx="946117" cy="307777"/>
+            </a:xfrm>
+            <a:prstGeom prst="rect">
+              <a:avLst/>
+            </a:prstGeom>
+            <a:noFill/>
+            <a:ln>
+              <a:solidFill>
+                <a:schemeClr val="tx1"/>
+              </a:solidFill>
+            </a:ln>
+            <a:effectLst>
+              <a:outerShdw blurRad="50800" dist="38100" dir="2700000" algn="tl" rotWithShape="0">
+                <a:srgbClr val="000000">
+                  <a:alpha val="43000"/>
+                </a:srgbClr>
+              </a:outerShdw>
+            </a:effectLst>
+          </p:spPr>
+          <p:txBody>
+            <a:bodyPr wrap="none" rtlCol="0">
+              <a:spAutoFit/>
+            </a:bodyPr>
+            <a:lstStyle/>
+            <a:p>
+              <a:r>
+                <a:rPr lang="en-US" sz="1400" dirty="0" smtClean="0"/>
+                <a:t>percolator</a:t>
+              </a:r>
+              <a:endParaRPr lang="en-US" sz="1400" dirty="0"/>
+            </a:p>
+          </p:txBody>
+        </p:sp>
+        <p:sp>
+          <p:nvSpPr>
+            <p:cNvPr id="14" name="TextBox 13"/>
+            <p:cNvSpPr txBox="1"/>
+            <p:nvPr/>
+          </p:nvSpPr>
+          <p:spPr>
+            <a:xfrm>
+              <a:off x="7709121" y="1572963"/>
+              <a:ext cx="685141" cy="307777"/>
+            </a:xfrm>
+            <a:prstGeom prst="rect">
+              <a:avLst/>
+            </a:prstGeom>
+            <a:noFill/>
+            <a:ln>
+              <a:solidFill>
+                <a:schemeClr val="tx1"/>
+              </a:solidFill>
+            </a:ln>
+            <a:effectLst>
+              <a:outerShdw blurRad="50800" dist="38100" dir="2700000" algn="tl" rotWithShape="0">
+                <a:srgbClr val="000000">
+                  <a:alpha val="43000"/>
+                </a:srgbClr>
+              </a:outerShdw>
+            </a:effectLst>
+          </p:spPr>
+          <p:txBody>
+            <a:bodyPr wrap="none" rtlCol="0">
+              <a:spAutoFit/>
+            </a:bodyPr>
+            <a:lstStyle/>
+            <a:p>
+              <a:r>
+                <a:rPr lang="en-US" sz="1400" dirty="0" smtClean="0"/>
+                <a:t>barista</a:t>
+              </a:r>
+              <a:endParaRPr lang="en-US" sz="1400" dirty="0"/>
+            </a:p>
+          </p:txBody>
+        </p:sp>
+        <p:sp>
+          <p:nvSpPr>
+            <p:cNvPr id="15" name="TextBox 14"/>
+            <p:cNvSpPr txBox="1"/>
+            <p:nvPr/>
+          </p:nvSpPr>
+          <p:spPr>
+            <a:xfrm>
+              <a:off x="7645170" y="2160460"/>
+              <a:ext cx="813043" cy="307777"/>
+            </a:xfrm>
+            <a:prstGeom prst="rect">
+              <a:avLst/>
+            </a:prstGeom>
+            <a:noFill/>
+            <a:ln>
+              <a:solidFill>
+                <a:schemeClr val="tx1"/>
+              </a:solidFill>
+            </a:ln>
+            <a:effectLst>
+              <a:outerShdw blurRad="50800" dist="38100" dir="2700000" algn="tl" rotWithShape="0">
+                <a:srgbClr val="000000">
+                  <a:alpha val="43000"/>
+                </a:srgbClr>
+              </a:outerShdw>
+            </a:effectLst>
+          </p:spPr>
+          <p:txBody>
+            <a:bodyPr wrap="none" rtlCol="0">
+              <a:spAutoFit/>
+            </a:bodyPr>
+            <a:lstStyle/>
+            <a:p>
+              <a:r>
+                <a:rPr lang="en-US" sz="1400" dirty="0" smtClean="0"/>
+                <a:t>q-ranker</a:t>
+              </a:r>
+              <a:endParaRPr lang="en-US" sz="1400" dirty="0"/>
+            </a:p>
+          </p:txBody>
+        </p:sp>
+        <p:sp>
+          <p:nvSpPr>
+            <p:cNvPr id="17" name="TextBox 16"/>
+            <p:cNvSpPr txBox="1"/>
+            <p:nvPr/>
+          </p:nvSpPr>
+          <p:spPr>
+            <a:xfrm>
+              <a:off x="7642014" y="2747958"/>
+              <a:ext cx="819355" cy="523220"/>
+            </a:xfrm>
+            <a:prstGeom prst="rect">
+              <a:avLst/>
+            </a:prstGeom>
+            <a:noFill/>
+            <a:ln>
+              <a:solidFill>
+                <a:schemeClr val="tx1"/>
+              </a:solidFill>
+            </a:ln>
+            <a:effectLst>
+              <a:outerShdw blurRad="50800" dist="38100" dir="2700000" algn="tl" rotWithShape="0">
+                <a:srgbClr val="000000">
+                  <a:alpha val="43000"/>
+                </a:srgbClr>
+              </a:outerShdw>
+            </a:effectLst>
+          </p:spPr>
+          <p:txBody>
+            <a:bodyPr wrap="none" rtlCol="0">
+              <a:spAutoFit/>
+            </a:bodyPr>
+            <a:lstStyle/>
+            <a:p>
+              <a:pPr algn="ctr"/>
+              <a:r>
+                <a:rPr lang="en-US" sz="1400" dirty="0" smtClean="0"/>
+                <a:t>spectral</a:t>
+              </a:r>
+              <a:r>
+                <a:rPr lang="en-US" sz="1400" dirty="0" smtClean="0"/>
+                <a:t>-</a:t>
+              </a:r>
+            </a:p>
+            <a:p>
+              <a:pPr algn="ctr"/>
+              <a:r>
+                <a:rPr lang="en-US" sz="1400" dirty="0" smtClean="0"/>
+                <a:t>counts</a:t>
+              </a:r>
+              <a:endParaRPr lang="en-US" sz="1400" dirty="0"/>
+            </a:p>
+          </p:txBody>
+        </p:sp>
+        <p:sp>
+          <p:nvSpPr>
+            <p:cNvPr id="29" name="TextBox 28"/>
+            <p:cNvSpPr txBox="1"/>
+            <p:nvPr/>
+          </p:nvSpPr>
+          <p:spPr>
+            <a:xfrm>
+              <a:off x="7421800" y="574880"/>
+              <a:ext cx="1261884" cy="276999"/>
+            </a:xfrm>
+            <a:prstGeom prst="rect">
+              <a:avLst/>
+            </a:prstGeom>
+            <a:noFill/>
+          </p:spPr>
+          <p:txBody>
+            <a:bodyPr wrap="none" rtlCol="0">
+              <a:spAutoFit/>
+            </a:bodyPr>
+            <a:lstStyle/>
+            <a:p>
+              <a:r>
+                <a:rPr lang="en-US" sz="1200" dirty="0" smtClean="0"/>
+                <a:t>Post-search tools</a:t>
+              </a:r>
+              <a:endParaRPr lang="en-US" sz="1200" dirty="0"/>
+            </a:p>
+          </p:txBody>
+        </p:sp>
+      </p:grpSp>
+      <p:sp>
+        <p:nvSpPr>
+          <p:cNvPr id="30" name="TextBox 29"/>
           <p:cNvSpPr txBox="1"/>
           <p:nvPr/>
         </p:nvSpPr>
         <p:spPr>
           <a:xfrm>
-            <a:off x="8654649" y="541366"/>
-            <a:ext cx="1163675" cy="369332"/>
+            <a:off x="3459329" y="9476"/>
+            <a:ext cx="3996557" cy="369332"/>
           </a:xfrm>
           <a:prstGeom prst="rect">
             <a:avLst/>
           </a:prstGeom>
           <a:noFill/>
-          <a:ln>
-            <a:solidFill>
-              <a:schemeClr val="tx1"/>
-            </a:solidFill>
-          </a:ln>
-          <a:effectLst>
-            <a:outerShdw blurRad="50800" dist="38100" dir="2700000" algn="tl" rotWithShape="0">
-              <a:srgbClr val="000000">
-                <a:alpha val="43000"/>
-              </a:srgbClr>
-            </a:outerShdw>
-          </a:effectLst>
         </p:spPr>
         <p:txBody>
           <a:bodyPr wrap="none" rtlCol="0">
@@ -3824,184 +5009,917 @@
           <a:p>
             <a:r>
               <a:rPr lang="en-US" dirty="0" smtClean="0"/>
-              <a:t>percolator</a:t>
+              <a:t>Crux Tandem Mass Spectrometry Toolkit</a:t>
             </a:r>
             <a:endParaRPr lang="en-US" dirty="0"/>
           </a:p>
         </p:txBody>
       </p:sp>
-      <p:sp>
-        <p:nvSpPr>
-          <p:cNvPr id="14" name="TextBox 13"/>
-          <p:cNvSpPr txBox="1"/>
+      <p:grpSp>
+        <p:nvGrpSpPr>
+          <p:cNvPr id="117" name="Group 116"/>
+          <p:cNvGrpSpPr/>
           <p:nvPr/>
-        </p:nvSpPr>
-        <p:spPr>
+        </p:nvGrpSpPr>
+        <p:grpSpPr>
           <a:xfrm>
-            <a:off x="8787337" y="995265"/>
-            <a:ext cx="989198" cy="369332"/>
+            <a:off x="1380853" y="378808"/>
+            <a:ext cx="8175316" cy="3195498"/>
+            <a:chOff x="1380853" y="378808"/>
+            <a:chExt cx="8175316" cy="3195498"/>
           </a:xfrm>
-          <a:prstGeom prst="rect">
-            <a:avLst/>
-          </a:prstGeom>
-          <a:noFill/>
-          <a:ln>
-            <a:solidFill>
+        </p:grpSpPr>
+        <p:cxnSp>
+          <p:nvCxnSpPr>
+            <p:cNvPr id="53" name="Straight Arrow Connector 52"/>
+            <p:cNvCxnSpPr>
+              <a:stCxn id="3" idx="3"/>
+              <a:endCxn id="7" idx="5"/>
+            </p:cNvCxnSpPr>
+            <p:nvPr/>
+          </p:nvCxnSpPr>
+          <p:spPr>
+            <a:xfrm flipV="1">
+              <a:off x="3407484" y="1499301"/>
+              <a:ext cx="331522" cy="594"/>
+            </a:xfrm>
+            <a:prstGeom prst="straightConnector1">
+              <a:avLst/>
+            </a:prstGeom>
+            <a:ln>
+              <a:solidFill>
+                <a:schemeClr val="tx2"/>
+              </a:solidFill>
+              <a:tailEnd type="arrow"/>
+            </a:ln>
+          </p:spPr>
+          <p:style>
+            <a:lnRef idx="2">
+              <a:schemeClr val="accent1"/>
+            </a:lnRef>
+            <a:fillRef idx="0">
+              <a:schemeClr val="accent1"/>
+            </a:fillRef>
+            <a:effectRef idx="1">
+              <a:schemeClr val="accent1"/>
+            </a:effectRef>
+            <a:fontRef idx="minor">
               <a:schemeClr val="tx1"/>
-            </a:solidFill>
-          </a:ln>
-          <a:effectLst>
-            <a:outerShdw blurRad="50800" dist="38100" dir="2700000" algn="tl" rotWithShape="0">
-              <a:srgbClr val="000000">
-                <a:alpha val="43000"/>
-              </a:srgbClr>
-            </a:outerShdw>
-          </a:effectLst>
-        </p:spPr>
-        <p:txBody>
-          <a:bodyPr wrap="none" rtlCol="0">
-            <a:spAutoFit/>
-          </a:bodyPr>
-          <a:lstStyle/>
-          <a:p>
-            <a:r>
-              <a:rPr lang="en-US" dirty="0" smtClean="0"/>
-              <a:t>q-ranker</a:t>
-            </a:r>
-            <a:endParaRPr lang="en-US" dirty="0"/>
-          </a:p>
-        </p:txBody>
-      </p:sp>
-      <p:sp>
-        <p:nvSpPr>
-          <p:cNvPr id="15" name="TextBox 14"/>
-          <p:cNvSpPr txBox="1"/>
-          <p:nvPr/>
-        </p:nvSpPr>
-        <p:spPr>
-          <a:xfrm>
-            <a:off x="8939737" y="1551018"/>
-            <a:ext cx="828134" cy="369332"/>
-          </a:xfrm>
-          <a:prstGeom prst="rect">
-            <a:avLst/>
-          </a:prstGeom>
-          <a:noFill/>
-          <a:ln>
-            <a:solidFill>
+            </a:fontRef>
+          </p:style>
+        </p:cxnSp>
+        <p:cxnSp>
+          <p:nvCxnSpPr>
+            <p:cNvPr id="55" name="Straight Arrow Connector 54"/>
+            <p:cNvCxnSpPr>
+              <a:stCxn id="6" idx="3"/>
+              <a:endCxn id="9" idx="5"/>
+            </p:cNvCxnSpPr>
+            <p:nvPr/>
+          </p:nvCxnSpPr>
+          <p:spPr>
+            <a:xfrm>
+              <a:off x="3341054" y="2570575"/>
+              <a:ext cx="387717" cy="568"/>
+            </a:xfrm>
+            <a:prstGeom prst="straightConnector1">
+              <a:avLst/>
+            </a:prstGeom>
+            <a:ln>
+              <a:solidFill>
+                <a:schemeClr val="tx2"/>
+              </a:solidFill>
+              <a:tailEnd type="arrow"/>
+            </a:ln>
+          </p:spPr>
+          <p:style>
+            <a:lnRef idx="2">
+              <a:schemeClr val="accent1"/>
+            </a:lnRef>
+            <a:fillRef idx="0">
+              <a:schemeClr val="accent1"/>
+            </a:fillRef>
+            <a:effectRef idx="1">
+              <a:schemeClr val="accent1"/>
+            </a:effectRef>
+            <a:fontRef idx="minor">
               <a:schemeClr val="tx1"/>
-            </a:solidFill>
-          </a:ln>
-          <a:effectLst>
-            <a:outerShdw blurRad="50800" dist="38100" dir="2700000" algn="tl" rotWithShape="0">
-              <a:srgbClr val="000000">
-                <a:alpha val="43000"/>
-              </a:srgbClr>
-            </a:outerShdw>
-          </a:effectLst>
-        </p:spPr>
-        <p:txBody>
-          <a:bodyPr wrap="none" rtlCol="0">
-            <a:spAutoFit/>
-          </a:bodyPr>
-          <a:lstStyle/>
-          <a:p>
-            <a:r>
-              <a:rPr lang="en-US" dirty="0" smtClean="0"/>
-              <a:t>barista</a:t>
-            </a:r>
-            <a:endParaRPr lang="en-US" dirty="0"/>
-          </a:p>
-        </p:txBody>
-      </p:sp>
-      <p:sp>
-        <p:nvSpPr>
-          <p:cNvPr id="16" name="TextBox 15"/>
-          <p:cNvSpPr txBox="1"/>
-          <p:nvPr/>
-        </p:nvSpPr>
-        <p:spPr>
-          <a:xfrm>
-            <a:off x="6139381" y="2289682"/>
-            <a:ext cx="1736373" cy="369332"/>
-          </a:xfrm>
-          <a:prstGeom prst="rect">
-            <a:avLst/>
-          </a:prstGeom>
-          <a:noFill/>
-          <a:ln>
-            <a:solidFill>
+            </a:fontRef>
+          </p:style>
+        </p:cxnSp>
+        <p:cxnSp>
+          <p:nvCxnSpPr>
+            <p:cNvPr id="57" name="Straight Arrow Connector 56"/>
+            <p:cNvCxnSpPr>
+              <a:stCxn id="9" idx="2"/>
+            </p:cNvCxnSpPr>
+            <p:nvPr/>
+          </p:nvCxnSpPr>
+          <p:spPr>
+            <a:xfrm flipV="1">
+              <a:off x="4700321" y="2570575"/>
+              <a:ext cx="196941" cy="568"/>
+            </a:xfrm>
+            <a:prstGeom prst="straightConnector1">
+              <a:avLst/>
+            </a:prstGeom>
+            <a:ln>
+              <a:solidFill>
+                <a:schemeClr val="tx2"/>
+              </a:solidFill>
+              <a:tailEnd type="arrow"/>
+            </a:ln>
+          </p:spPr>
+          <p:style>
+            <a:lnRef idx="2">
+              <a:schemeClr val="accent1"/>
+            </a:lnRef>
+            <a:fillRef idx="0">
+              <a:schemeClr val="accent1"/>
+            </a:fillRef>
+            <a:effectRef idx="1">
+              <a:schemeClr val="accent1"/>
+            </a:effectRef>
+            <a:fontRef idx="minor">
               <a:schemeClr val="tx1"/>
-            </a:solidFill>
-          </a:ln>
-          <a:effectLst>
-            <a:outerShdw blurRad="50800" dist="38100" dir="2700000" algn="tl" rotWithShape="0">
-              <a:srgbClr val="000000">
-                <a:alpha val="43000"/>
-              </a:srgbClr>
-            </a:outerShdw>
-          </a:effectLst>
-        </p:spPr>
-        <p:txBody>
-          <a:bodyPr wrap="none" rtlCol="0">
-            <a:spAutoFit/>
-          </a:bodyPr>
-          <a:lstStyle/>
-          <a:p>
-            <a:r>
-              <a:rPr lang="en-US" dirty="0" smtClean="0"/>
-              <a:t>search-for-</a:t>
-            </a:r>
-            <a:r>
-              <a:rPr lang="en-US" dirty="0" err="1" smtClean="0"/>
-              <a:t>xlinks</a:t>
-            </a:r>
-            <a:endParaRPr lang="en-US" dirty="0"/>
-          </a:p>
-        </p:txBody>
-      </p:sp>
-      <p:sp>
-        <p:nvSpPr>
-          <p:cNvPr id="17" name="TextBox 16"/>
-          <p:cNvSpPr txBox="1"/>
-          <p:nvPr/>
-        </p:nvSpPr>
-        <p:spPr>
-          <a:xfrm>
-            <a:off x="8990190" y="2105016"/>
-            <a:ext cx="1633781" cy="369332"/>
-          </a:xfrm>
-          <a:prstGeom prst="rect">
-            <a:avLst/>
-          </a:prstGeom>
-          <a:noFill/>
-          <a:ln>
-            <a:solidFill>
+            </a:fontRef>
+          </p:style>
+        </p:cxnSp>
+        <p:cxnSp>
+          <p:nvCxnSpPr>
+            <p:cNvPr id="60" name="Straight Arrow Connector 59"/>
+            <p:cNvCxnSpPr>
+              <a:stCxn id="7" idx="2"/>
+            </p:cNvCxnSpPr>
+            <p:nvPr/>
+          </p:nvCxnSpPr>
+          <p:spPr>
+            <a:xfrm>
+              <a:off x="4710556" y="1499301"/>
+              <a:ext cx="186706" cy="594"/>
+            </a:xfrm>
+            <a:prstGeom prst="straightConnector1">
+              <a:avLst/>
+            </a:prstGeom>
+            <a:ln>
+              <a:solidFill>
+                <a:schemeClr val="tx2"/>
+              </a:solidFill>
+              <a:tailEnd type="arrow"/>
+            </a:ln>
+          </p:spPr>
+          <p:style>
+            <a:lnRef idx="2">
+              <a:schemeClr val="accent1"/>
+            </a:lnRef>
+            <a:fillRef idx="0">
+              <a:schemeClr val="accent1"/>
+            </a:fillRef>
+            <a:effectRef idx="1">
+              <a:schemeClr val="accent1"/>
+            </a:effectRef>
+            <a:fontRef idx="minor">
               <a:schemeClr val="tx1"/>
-            </a:solidFill>
-          </a:ln>
-          <a:effectLst>
-            <a:outerShdw blurRad="50800" dist="38100" dir="2700000" algn="tl" rotWithShape="0">
-              <a:srgbClr val="000000">
-                <a:alpha val="43000"/>
-              </a:srgbClr>
-            </a:outerShdw>
-          </a:effectLst>
-        </p:spPr>
-        <p:txBody>
-          <a:bodyPr wrap="none" rtlCol="0">
-            <a:spAutoFit/>
-          </a:bodyPr>
-          <a:lstStyle/>
-          <a:p>
-            <a:r>
-              <a:rPr lang="en-US" dirty="0" smtClean="0"/>
-              <a:t>spectral-counts</a:t>
-            </a:r>
-            <a:endParaRPr lang="en-US" dirty="0"/>
-          </a:p>
-        </p:txBody>
-      </p:sp>
+            </a:fontRef>
+          </p:style>
+        </p:cxnSp>
+        <p:cxnSp>
+          <p:nvCxnSpPr>
+            <p:cNvPr id="62" name="Straight Arrow Connector 61"/>
+            <p:cNvCxnSpPr>
+              <a:stCxn id="25" idx="3"/>
+              <a:endCxn id="12" idx="5"/>
+            </p:cNvCxnSpPr>
+            <p:nvPr/>
+          </p:nvCxnSpPr>
+          <p:spPr>
+            <a:xfrm>
+              <a:off x="6076838" y="1985860"/>
+              <a:ext cx="186706" cy="1072"/>
+            </a:xfrm>
+            <a:prstGeom prst="straightConnector1">
+              <a:avLst/>
+            </a:prstGeom>
+            <a:ln>
+              <a:solidFill>
+                <a:schemeClr val="tx2"/>
+              </a:solidFill>
+              <a:tailEnd type="arrow"/>
+            </a:ln>
+          </p:spPr>
+          <p:style>
+            <a:lnRef idx="2">
+              <a:schemeClr val="accent1"/>
+            </a:lnRef>
+            <a:fillRef idx="0">
+              <a:schemeClr val="accent1"/>
+            </a:fillRef>
+            <a:effectRef idx="1">
+              <a:schemeClr val="accent1"/>
+            </a:effectRef>
+            <a:fontRef idx="minor">
+              <a:schemeClr val="tx1"/>
+            </a:fontRef>
+          </p:style>
+        </p:cxnSp>
+        <p:cxnSp>
+          <p:nvCxnSpPr>
+            <p:cNvPr id="64" name="Straight Arrow Connector 63"/>
+            <p:cNvCxnSpPr>
+              <a:stCxn id="12" idx="2"/>
+            </p:cNvCxnSpPr>
+            <p:nvPr/>
+          </p:nvCxnSpPr>
+          <p:spPr>
+            <a:xfrm flipV="1">
+              <a:off x="7235094" y="1985860"/>
+              <a:ext cx="220792" cy="1072"/>
+            </a:xfrm>
+            <a:prstGeom prst="straightConnector1">
+              <a:avLst/>
+            </a:prstGeom>
+            <a:ln>
+              <a:solidFill>
+                <a:schemeClr val="tx2"/>
+              </a:solidFill>
+              <a:tailEnd type="arrow"/>
+            </a:ln>
+          </p:spPr>
+          <p:style>
+            <a:lnRef idx="2">
+              <a:schemeClr val="accent1"/>
+            </a:lnRef>
+            <a:fillRef idx="0">
+              <a:schemeClr val="accent1"/>
+            </a:fillRef>
+            <a:effectRef idx="1">
+              <a:schemeClr val="accent1"/>
+            </a:effectRef>
+            <a:fontRef idx="minor">
+              <a:schemeClr val="tx1"/>
+            </a:fontRef>
+          </p:style>
+        </p:cxnSp>
+        <p:cxnSp>
+          <p:nvCxnSpPr>
+            <p:cNvPr id="79" name="Straight Arrow Connector 78"/>
+            <p:cNvCxnSpPr/>
+            <p:nvPr/>
+          </p:nvCxnSpPr>
+          <p:spPr>
+            <a:xfrm>
+              <a:off x="2982604" y="3356289"/>
+              <a:ext cx="0" cy="203565"/>
+            </a:xfrm>
+            <a:prstGeom prst="straightConnector1">
+              <a:avLst/>
+            </a:prstGeom>
+            <a:ln>
+              <a:solidFill>
+                <a:schemeClr val="tx2"/>
+              </a:solidFill>
+              <a:headEnd type="arrow"/>
+              <a:tailEnd type="none"/>
+            </a:ln>
+          </p:spPr>
+          <p:style>
+            <a:lnRef idx="2">
+              <a:schemeClr val="accent1"/>
+            </a:lnRef>
+            <a:fillRef idx="0">
+              <a:schemeClr val="accent1"/>
+            </a:fillRef>
+            <a:effectRef idx="1">
+              <a:schemeClr val="accent1"/>
+            </a:effectRef>
+            <a:fontRef idx="minor">
+              <a:schemeClr val="tx1"/>
+            </a:fontRef>
+          </p:style>
+        </p:cxnSp>
+        <p:cxnSp>
+          <p:nvCxnSpPr>
+            <p:cNvPr id="80" name="Straight Arrow Connector 79"/>
+            <p:cNvCxnSpPr/>
+            <p:nvPr/>
+          </p:nvCxnSpPr>
+          <p:spPr>
+            <a:xfrm>
+              <a:off x="5507132" y="3356289"/>
+              <a:ext cx="0" cy="203565"/>
+            </a:xfrm>
+            <a:prstGeom prst="straightConnector1">
+              <a:avLst/>
+            </a:prstGeom>
+            <a:ln>
+              <a:solidFill>
+                <a:schemeClr val="tx2"/>
+              </a:solidFill>
+              <a:headEnd type="arrow"/>
+              <a:tailEnd type="none"/>
+            </a:ln>
+          </p:spPr>
+          <p:style>
+            <a:lnRef idx="2">
+              <a:schemeClr val="accent1"/>
+            </a:lnRef>
+            <a:fillRef idx="0">
+              <a:schemeClr val="accent1"/>
+            </a:fillRef>
+            <a:effectRef idx="1">
+              <a:schemeClr val="accent1"/>
+            </a:effectRef>
+            <a:fontRef idx="minor">
+              <a:schemeClr val="tx1"/>
+            </a:fontRef>
+          </p:style>
+        </p:cxnSp>
+        <p:cxnSp>
+          <p:nvCxnSpPr>
+            <p:cNvPr id="81" name="Straight Arrow Connector 80"/>
+            <p:cNvCxnSpPr/>
+            <p:nvPr/>
+          </p:nvCxnSpPr>
+          <p:spPr>
+            <a:xfrm>
+              <a:off x="8075748" y="3356289"/>
+              <a:ext cx="0" cy="218017"/>
+            </a:xfrm>
+            <a:prstGeom prst="straightConnector1">
+              <a:avLst/>
+            </a:prstGeom>
+            <a:ln>
+              <a:solidFill>
+                <a:schemeClr val="tx2"/>
+              </a:solidFill>
+              <a:headEnd type="arrow"/>
+              <a:tailEnd type="none"/>
+            </a:ln>
+          </p:spPr>
+          <p:style>
+            <a:lnRef idx="2">
+              <a:schemeClr val="accent1"/>
+            </a:lnRef>
+            <a:fillRef idx="0">
+              <a:schemeClr val="accent1"/>
+            </a:fillRef>
+            <a:effectRef idx="1">
+              <a:schemeClr val="accent1"/>
+            </a:effectRef>
+            <a:fontRef idx="minor">
+              <a:schemeClr val="tx1"/>
+            </a:fontRef>
+          </p:style>
+        </p:cxnSp>
+        <p:cxnSp>
+          <p:nvCxnSpPr>
+            <p:cNvPr id="83" name="Straight Arrow Connector 82"/>
+            <p:cNvCxnSpPr>
+              <a:stCxn id="5" idx="2"/>
+            </p:cNvCxnSpPr>
+            <p:nvPr/>
+          </p:nvCxnSpPr>
+          <p:spPr>
+            <a:xfrm>
+              <a:off x="1380853" y="3007608"/>
+              <a:ext cx="973683" cy="1960"/>
+            </a:xfrm>
+            <a:prstGeom prst="straightConnector1">
+              <a:avLst/>
+            </a:prstGeom>
+            <a:ln>
+              <a:solidFill>
+                <a:schemeClr val="tx2"/>
+              </a:solidFill>
+              <a:tailEnd type="arrow"/>
+            </a:ln>
+          </p:spPr>
+          <p:style>
+            <a:lnRef idx="2">
+              <a:schemeClr val="accent1"/>
+            </a:lnRef>
+            <a:fillRef idx="0">
+              <a:schemeClr val="accent1"/>
+            </a:fillRef>
+            <a:effectRef idx="1">
+              <a:schemeClr val="accent1"/>
+            </a:effectRef>
+            <a:fontRef idx="minor">
+              <a:schemeClr val="tx1"/>
+            </a:fontRef>
+          </p:style>
+        </p:cxnSp>
+        <p:cxnSp>
+          <p:nvCxnSpPr>
+            <p:cNvPr id="78" name="Straight Connector 77"/>
+            <p:cNvCxnSpPr/>
+            <p:nvPr/>
+          </p:nvCxnSpPr>
+          <p:spPr>
+            <a:xfrm>
+              <a:off x="1791283" y="3559854"/>
+              <a:ext cx="6284465" cy="9110"/>
+            </a:xfrm>
+            <a:prstGeom prst="line">
+              <a:avLst/>
+            </a:prstGeom>
+            <a:ln>
+              <a:solidFill>
+                <a:schemeClr val="tx2"/>
+              </a:solidFill>
+            </a:ln>
+          </p:spPr>
+          <p:style>
+            <a:lnRef idx="2">
+              <a:schemeClr val="accent1"/>
+            </a:lnRef>
+            <a:fillRef idx="0">
+              <a:schemeClr val="accent1"/>
+            </a:fillRef>
+            <a:effectRef idx="1">
+              <a:schemeClr val="accent1"/>
+            </a:effectRef>
+            <a:fontRef idx="minor">
+              <a:schemeClr val="tx1"/>
+            </a:fontRef>
+          </p:style>
+        </p:cxnSp>
+        <p:cxnSp>
+          <p:nvCxnSpPr>
+            <p:cNvPr id="77" name="Straight Connector 76"/>
+            <p:cNvCxnSpPr/>
+            <p:nvPr/>
+          </p:nvCxnSpPr>
+          <p:spPr>
+            <a:xfrm flipV="1">
+              <a:off x="1792035" y="2996243"/>
+              <a:ext cx="0" cy="563611"/>
+            </a:xfrm>
+            <a:prstGeom prst="line">
+              <a:avLst/>
+            </a:prstGeom>
+            <a:ln>
+              <a:solidFill>
+                <a:schemeClr val="tx2"/>
+              </a:solidFill>
+            </a:ln>
+          </p:spPr>
+          <p:style>
+            <a:lnRef idx="2">
+              <a:schemeClr val="accent1"/>
+            </a:lnRef>
+            <a:fillRef idx="0">
+              <a:schemeClr val="accent1"/>
+            </a:fillRef>
+            <a:effectRef idx="1">
+              <a:schemeClr val="accent1"/>
+            </a:effectRef>
+            <a:fontRef idx="minor">
+              <a:schemeClr val="tx1"/>
+            </a:fontRef>
+          </p:style>
+        </p:cxnSp>
+        <p:cxnSp>
+          <p:nvCxnSpPr>
+            <p:cNvPr id="85" name="Elbow Connector 84"/>
+            <p:cNvCxnSpPr>
+              <a:stCxn id="2" idx="2"/>
+              <a:endCxn id="6" idx="1"/>
+            </p:cNvCxnSpPr>
+            <p:nvPr/>
+          </p:nvCxnSpPr>
+          <p:spPr>
+            <a:xfrm>
+              <a:off x="1380853" y="1948474"/>
+              <a:ext cx="1172806" cy="622101"/>
+            </a:xfrm>
+            <a:prstGeom prst="bentConnector3">
+              <a:avLst>
+                <a:gd name="adj1" fmla="val 57273"/>
+              </a:avLst>
+            </a:prstGeom>
+            <a:ln>
+              <a:solidFill>
+                <a:schemeClr val="tx2"/>
+              </a:solidFill>
+              <a:tailEnd type="arrow"/>
+            </a:ln>
+          </p:spPr>
+          <p:style>
+            <a:lnRef idx="2">
+              <a:schemeClr val="accent1"/>
+            </a:lnRef>
+            <a:fillRef idx="0">
+              <a:schemeClr val="accent1"/>
+            </a:fillRef>
+            <a:effectRef idx="1">
+              <a:schemeClr val="accent1"/>
+            </a:effectRef>
+            <a:fontRef idx="minor">
+              <a:schemeClr val="tx1"/>
+            </a:fontRef>
+          </p:style>
+        </p:cxnSp>
+        <p:grpSp>
+          <p:nvGrpSpPr>
+            <p:cNvPr id="116" name="Group 115"/>
+            <p:cNvGrpSpPr/>
+            <p:nvPr/>
+          </p:nvGrpSpPr>
+          <p:grpSpPr>
+            <a:xfrm>
+              <a:off x="1466578" y="378808"/>
+              <a:ext cx="8089591" cy="2630760"/>
+              <a:chOff x="1466578" y="378808"/>
+              <a:chExt cx="8089591" cy="2630760"/>
+            </a:xfrm>
+          </p:grpSpPr>
+          <p:grpSp>
+            <p:nvGrpSpPr>
+              <p:cNvPr id="74" name="Group 73"/>
+              <p:cNvGrpSpPr/>
+              <p:nvPr/>
+            </p:nvGrpSpPr>
+            <p:grpSpPr>
+              <a:xfrm>
+                <a:off x="1466578" y="378808"/>
+                <a:ext cx="6579984" cy="540628"/>
+                <a:chOff x="1466578" y="378808"/>
+                <a:chExt cx="6579984" cy="540628"/>
+              </a:xfrm>
+            </p:grpSpPr>
+            <p:cxnSp>
+              <p:nvCxnSpPr>
+                <p:cNvPr id="35" name="Straight Arrow Connector 34"/>
+                <p:cNvCxnSpPr/>
+                <p:nvPr/>
+              </p:nvCxnSpPr>
+              <p:spPr>
+                <a:xfrm>
+                  <a:off x="1466578" y="919436"/>
+                  <a:ext cx="887958" cy="0"/>
+                </a:xfrm>
+                <a:prstGeom prst="straightConnector1">
+                  <a:avLst/>
+                </a:prstGeom>
+                <a:ln>
+                  <a:solidFill>
+                    <a:schemeClr val="tx2"/>
+                  </a:solidFill>
+                  <a:tailEnd type="arrow"/>
+                </a:ln>
+              </p:spPr>
+              <p:style>
+                <a:lnRef idx="2">
+                  <a:schemeClr val="accent1"/>
+                </a:lnRef>
+                <a:fillRef idx="0">
+                  <a:schemeClr val="accent1"/>
+                </a:fillRef>
+                <a:effectRef idx="1">
+                  <a:schemeClr val="accent1"/>
+                </a:effectRef>
+                <a:fontRef idx="minor">
+                  <a:schemeClr val="tx1"/>
+                </a:fontRef>
+              </p:style>
+            </p:cxnSp>
+            <p:cxnSp>
+              <p:nvCxnSpPr>
+                <p:cNvPr id="37" name="Straight Connector 36"/>
+                <p:cNvCxnSpPr/>
+                <p:nvPr/>
+              </p:nvCxnSpPr>
+              <p:spPr>
+                <a:xfrm flipV="1">
+                  <a:off x="1791283" y="378808"/>
+                  <a:ext cx="0" cy="530810"/>
+                </a:xfrm>
+                <a:prstGeom prst="line">
+                  <a:avLst/>
+                </a:prstGeom>
+                <a:ln>
+                  <a:solidFill>
+                    <a:schemeClr val="tx2"/>
+                  </a:solidFill>
+                </a:ln>
+              </p:spPr>
+              <p:style>
+                <a:lnRef idx="2">
+                  <a:schemeClr val="accent1"/>
+                </a:lnRef>
+                <a:fillRef idx="0">
+                  <a:schemeClr val="accent1"/>
+                </a:fillRef>
+                <a:effectRef idx="1">
+                  <a:schemeClr val="accent1"/>
+                </a:effectRef>
+                <a:fontRef idx="minor">
+                  <a:schemeClr val="tx1"/>
+                </a:fontRef>
+              </p:style>
+            </p:cxnSp>
+            <p:cxnSp>
+              <p:nvCxnSpPr>
+                <p:cNvPr id="39" name="Straight Connector 38"/>
+                <p:cNvCxnSpPr/>
+                <p:nvPr/>
+              </p:nvCxnSpPr>
+              <p:spPr>
+                <a:xfrm>
+                  <a:off x="1791283" y="388626"/>
+                  <a:ext cx="6255279" cy="0"/>
+                </a:xfrm>
+                <a:prstGeom prst="line">
+                  <a:avLst/>
+                </a:prstGeom>
+                <a:ln>
+                  <a:solidFill>
+                    <a:schemeClr val="tx2"/>
+                  </a:solidFill>
+                </a:ln>
+              </p:spPr>
+              <p:style>
+                <a:lnRef idx="2">
+                  <a:schemeClr val="accent1"/>
+                </a:lnRef>
+                <a:fillRef idx="0">
+                  <a:schemeClr val="accent1"/>
+                </a:fillRef>
+                <a:effectRef idx="1">
+                  <a:schemeClr val="accent1"/>
+                </a:effectRef>
+                <a:fontRef idx="minor">
+                  <a:schemeClr val="tx1"/>
+                </a:fontRef>
+              </p:style>
+            </p:cxnSp>
+            <p:cxnSp>
+              <p:nvCxnSpPr>
+                <p:cNvPr id="41" name="Straight Arrow Connector 40"/>
+                <p:cNvCxnSpPr/>
+                <p:nvPr/>
+              </p:nvCxnSpPr>
+              <p:spPr>
+                <a:xfrm>
+                  <a:off x="2953418" y="388626"/>
+                  <a:ext cx="0" cy="203565"/>
+                </a:xfrm>
+                <a:prstGeom prst="straightConnector1">
+                  <a:avLst/>
+                </a:prstGeom>
+                <a:ln>
+                  <a:solidFill>
+                    <a:schemeClr val="tx2"/>
+                  </a:solidFill>
+                  <a:tailEnd type="arrow"/>
+                </a:ln>
+              </p:spPr>
+              <p:style>
+                <a:lnRef idx="2">
+                  <a:schemeClr val="accent1"/>
+                </a:lnRef>
+                <a:fillRef idx="0">
+                  <a:schemeClr val="accent1"/>
+                </a:fillRef>
+                <a:effectRef idx="1">
+                  <a:schemeClr val="accent1"/>
+                </a:effectRef>
+                <a:fontRef idx="minor">
+                  <a:schemeClr val="tx1"/>
+                </a:fontRef>
+              </p:style>
+            </p:cxnSp>
+            <p:cxnSp>
+              <p:nvCxnSpPr>
+                <p:cNvPr id="46" name="Straight Arrow Connector 45"/>
+                <p:cNvCxnSpPr/>
+                <p:nvPr/>
+              </p:nvCxnSpPr>
+              <p:spPr>
+                <a:xfrm>
+                  <a:off x="5477946" y="388626"/>
+                  <a:ext cx="0" cy="203565"/>
+                </a:xfrm>
+                <a:prstGeom prst="straightConnector1">
+                  <a:avLst/>
+                </a:prstGeom>
+                <a:ln>
+                  <a:solidFill>
+                    <a:schemeClr val="tx2"/>
+                  </a:solidFill>
+                  <a:tailEnd type="arrow"/>
+                </a:ln>
+              </p:spPr>
+              <p:style>
+                <a:lnRef idx="2">
+                  <a:schemeClr val="accent1"/>
+                </a:lnRef>
+                <a:fillRef idx="0">
+                  <a:schemeClr val="accent1"/>
+                </a:fillRef>
+                <a:effectRef idx="1">
+                  <a:schemeClr val="accent1"/>
+                </a:effectRef>
+                <a:fontRef idx="minor">
+                  <a:schemeClr val="tx1"/>
+                </a:fontRef>
+              </p:style>
+            </p:cxnSp>
+            <p:cxnSp>
+              <p:nvCxnSpPr>
+                <p:cNvPr id="47" name="Straight Arrow Connector 46"/>
+                <p:cNvCxnSpPr/>
+                <p:nvPr/>
+              </p:nvCxnSpPr>
+              <p:spPr>
+                <a:xfrm>
+                  <a:off x="8046562" y="388626"/>
+                  <a:ext cx="0" cy="218017"/>
+                </a:xfrm>
+                <a:prstGeom prst="straightConnector1">
+                  <a:avLst/>
+                </a:prstGeom>
+                <a:ln>
+                  <a:solidFill>
+                    <a:schemeClr val="tx2"/>
+                  </a:solidFill>
+                  <a:tailEnd type="arrow"/>
+                </a:ln>
+              </p:spPr>
+              <p:style>
+                <a:lnRef idx="2">
+                  <a:schemeClr val="accent1"/>
+                </a:lnRef>
+                <a:fillRef idx="0">
+                  <a:schemeClr val="accent1"/>
+                </a:fillRef>
+                <a:effectRef idx="1">
+                  <a:schemeClr val="accent1"/>
+                </a:effectRef>
+                <a:fontRef idx="minor">
+                  <a:schemeClr val="tx1"/>
+                </a:fontRef>
+              </p:style>
+            </p:cxnSp>
+          </p:grpSp>
+          <p:cxnSp>
+            <p:nvCxnSpPr>
+              <p:cNvPr id="66" name="Straight Arrow Connector 65"/>
+              <p:cNvCxnSpPr>
+                <a:stCxn id="17" idx="3"/>
+                <a:endCxn id="24" idx="5"/>
+              </p:cNvCxnSpPr>
+              <p:nvPr/>
+            </p:nvCxnSpPr>
+            <p:spPr>
+              <a:xfrm flipV="1">
+                <a:off x="8461369" y="3001576"/>
+                <a:ext cx="1094800" cy="7992"/>
+              </a:xfrm>
+              <a:prstGeom prst="straightConnector1">
+                <a:avLst/>
+              </a:prstGeom>
+              <a:ln>
+                <a:solidFill>
+                  <a:schemeClr val="tx2"/>
+                </a:solidFill>
+                <a:tailEnd type="arrow"/>
+              </a:ln>
+            </p:spPr>
+            <p:style>
+              <a:lnRef idx="2">
+                <a:schemeClr val="accent1"/>
+              </a:lnRef>
+              <a:fillRef idx="0">
+                <a:schemeClr val="accent1"/>
+              </a:fillRef>
+              <a:effectRef idx="1">
+                <a:schemeClr val="accent1"/>
+              </a:effectRef>
+              <a:fontRef idx="minor">
+                <a:schemeClr val="tx1"/>
+              </a:fontRef>
+            </p:style>
+          </p:cxnSp>
+          <p:cxnSp>
+            <p:nvCxnSpPr>
+              <p:cNvPr id="108" name="Elbow Connector 107"/>
+              <p:cNvCxnSpPr>
+                <a:endCxn id="21" idx="5"/>
+              </p:cNvCxnSpPr>
+              <p:nvPr/>
+            </p:nvCxnSpPr>
+            <p:spPr>
+              <a:xfrm flipV="1">
+                <a:off x="8647998" y="576536"/>
+                <a:ext cx="908171" cy="418759"/>
+              </a:xfrm>
+              <a:prstGeom prst="bentConnector3">
+                <a:avLst>
+                  <a:gd name="adj1" fmla="val 65654"/>
+                </a:avLst>
+              </a:prstGeom>
+              <a:ln>
+                <a:solidFill>
+                  <a:schemeClr val="tx2"/>
+                </a:solidFill>
+                <a:tailEnd type="arrow"/>
+              </a:ln>
+            </p:spPr>
+            <p:style>
+              <a:lnRef idx="2">
+                <a:schemeClr val="accent1"/>
+              </a:lnRef>
+              <a:fillRef idx="0">
+                <a:schemeClr val="accent1"/>
+              </a:fillRef>
+              <a:effectRef idx="1">
+                <a:schemeClr val="accent1"/>
+              </a:effectRef>
+              <a:fontRef idx="minor">
+                <a:schemeClr val="tx1"/>
+              </a:fontRef>
+            </p:style>
+          </p:cxnSp>
+          <p:cxnSp>
+            <p:nvCxnSpPr>
+              <p:cNvPr id="111" name="Straight Arrow Connector 110"/>
+              <p:cNvCxnSpPr>
+                <a:endCxn id="22" idx="5"/>
+              </p:cNvCxnSpPr>
+              <p:nvPr/>
+            </p:nvCxnSpPr>
+            <p:spPr>
+              <a:xfrm>
+                <a:off x="8647998" y="1384883"/>
+                <a:ext cx="908171" cy="0"/>
+              </a:xfrm>
+              <a:prstGeom prst="straightConnector1">
+                <a:avLst/>
+              </a:prstGeom>
+              <a:ln>
+                <a:solidFill>
+                  <a:schemeClr val="tx2"/>
+                </a:solidFill>
+                <a:tailEnd type="arrow"/>
+              </a:ln>
+            </p:spPr>
+            <p:style>
+              <a:lnRef idx="2">
+                <a:schemeClr val="accent1"/>
+              </a:lnRef>
+              <a:fillRef idx="0">
+                <a:schemeClr val="accent1"/>
+              </a:fillRef>
+              <a:effectRef idx="1">
+                <a:schemeClr val="accent1"/>
+              </a:effectRef>
+              <a:fontRef idx="minor">
+                <a:schemeClr val="tx1"/>
+              </a:fontRef>
+            </p:style>
+          </p:cxnSp>
+          <p:cxnSp>
+            <p:nvCxnSpPr>
+              <p:cNvPr id="115" name="Straight Arrow Connector 114"/>
+              <p:cNvCxnSpPr>
+                <a:endCxn id="23" idx="5"/>
+              </p:cNvCxnSpPr>
+              <p:nvPr/>
+            </p:nvCxnSpPr>
+            <p:spPr>
+              <a:xfrm>
+                <a:off x="8647998" y="2174233"/>
+                <a:ext cx="908171" cy="18997"/>
+              </a:xfrm>
+              <a:prstGeom prst="straightConnector1">
+                <a:avLst/>
+              </a:prstGeom>
+              <a:ln>
+                <a:solidFill>
+                  <a:schemeClr val="tx2"/>
+                </a:solidFill>
+                <a:tailEnd type="arrow"/>
+              </a:ln>
+            </p:spPr>
+            <p:style>
+              <a:lnRef idx="2">
+                <a:schemeClr val="accent1"/>
+              </a:lnRef>
+              <a:fillRef idx="0">
+                <a:schemeClr val="accent1"/>
+              </a:fillRef>
+              <a:effectRef idx="1">
+                <a:schemeClr val="accent1"/>
+              </a:effectRef>
+              <a:fontRef idx="minor">
+                <a:schemeClr val="tx1"/>
+              </a:fontRef>
+            </p:style>
+          </p:cxnSp>
+        </p:grpSp>
+      </p:grpSp>
     </p:spTree>
     <p:extLst>
       <p:ext uri="{BB962C8B-B14F-4D97-AF65-F5344CB8AC3E}">
@@ -4333,4 +6251,324 @@
   </a:objectDefaults>
   <a:extraClrSchemeLst/>
 </a:theme>
+</file>
+
+<file path=ppt/theme/theme2.xml><?xml version="1.0" encoding="utf-8"?>
+<a:theme xmlns:a="http://schemas.openxmlformats.org/drawingml/2006/main" name="Office Theme">
+  <a:themeElements>
+    <a:clrScheme name="Office">
+      <a:dk1>
+        <a:sysClr val="windowText" lastClr="000000"/>
+      </a:dk1>
+      <a:lt1>
+        <a:sysClr val="window" lastClr="FFFFFF"/>
+      </a:lt1>
+      <a:dk2>
+        <a:srgbClr val="1F497D"/>
+      </a:dk2>
+      <a:lt2>
+        <a:srgbClr val="EEECE1"/>
+      </a:lt2>
+      <a:accent1>
+        <a:srgbClr val="4F81BD"/>
+      </a:accent1>
+      <a:accent2>
+        <a:srgbClr val="C0504D"/>
+      </a:accent2>
+      <a:accent3>
+        <a:srgbClr val="9BBB59"/>
+      </a:accent3>
+      <a:accent4>
+        <a:srgbClr val="8064A2"/>
+      </a:accent4>
+      <a:accent5>
+        <a:srgbClr val="4BACC6"/>
+      </a:accent5>
+      <a:accent6>
+        <a:srgbClr val="F79646"/>
+      </a:accent6>
+      <a:hlink>
+        <a:srgbClr val="0000FF"/>
+      </a:hlink>
+      <a:folHlink>
+        <a:srgbClr val="800080"/>
+      </a:folHlink>
+    </a:clrScheme>
+    <a:fontScheme name="Office">
+      <a:majorFont>
+        <a:latin typeface="Calibri"/>
+        <a:ea typeface=""/>
+        <a:cs typeface=""/>
+        <a:font script="Jpan" typeface="ＭＳ Ｐゴシック"/>
+        <a:font script="Hang" typeface="맑은 고딕"/>
+        <a:font script="Hans" typeface="宋体"/>
+        <a:font script="Hant" typeface="新細明體"/>
+        <a:font script="Arab" typeface="Times New Roman"/>
+        <a:font script="Hebr" typeface="Times New Roman"/>
+        <a:font script="Thai" typeface="Angsana New"/>
+        <a:font script="Ethi" typeface="Nyala"/>
+        <a:font script="Beng" typeface="Vrinda"/>
+        <a:font script="Gujr" typeface="Shruti"/>
+        <a:font script="Khmr" typeface="MoolBoran"/>
+        <a:font script="Knda" typeface="Tunga"/>
+        <a:font script="Guru" typeface="Raavi"/>
+        <a:font script="Cans" typeface="Euphemia"/>
+        <a:font script="Cher" typeface="Plantagenet Cherokee"/>
+        <a:font script="Yiii" typeface="Microsoft Yi Baiti"/>
+        <a:font script="Tibt" typeface="Microsoft Himalaya"/>
+        <a:font script="Thaa" typeface="MV Boli"/>
+        <a:font script="Deva" typeface="Mangal"/>
+        <a:font script="Telu" typeface="Gautami"/>
+        <a:font script="Taml" typeface="Latha"/>
+        <a:font script="Syrc" typeface="Estrangelo Edessa"/>
+        <a:font script="Orya" typeface="Kalinga"/>
+        <a:font script="Mlym" typeface="Kartika"/>
+        <a:font script="Laoo" typeface="DokChampa"/>
+        <a:font script="Sinh" typeface="Iskoola Pota"/>
+        <a:font script="Mong" typeface="Mongolian Baiti"/>
+        <a:font script="Viet" typeface="Times New Roman"/>
+        <a:font script="Uigh" typeface="Microsoft Uighur"/>
+        <a:font script="Geor" typeface="Sylfaen"/>
+      </a:majorFont>
+      <a:minorFont>
+        <a:latin typeface="Calibri"/>
+        <a:ea typeface=""/>
+        <a:cs typeface=""/>
+        <a:font script="Jpan" typeface="ＭＳ Ｐゴシック"/>
+        <a:font script="Hang" typeface="맑은 고딕"/>
+        <a:font script="Hans" typeface="宋体"/>
+        <a:font script="Hant" typeface="新細明體"/>
+        <a:font script="Arab" typeface="Arial"/>
+        <a:font script="Hebr" typeface="Arial"/>
+        <a:font script="Thai" typeface="Cordia New"/>
+        <a:font script="Ethi" typeface="Nyala"/>
+        <a:font script="Beng" typeface="Vrinda"/>
+        <a:font script="Gujr" typeface="Shruti"/>
+        <a:font script="Khmr" typeface="DaunPenh"/>
+        <a:font script="Knda" typeface="Tunga"/>
+        <a:font script="Guru" typeface="Raavi"/>
+        <a:font script="Cans" typeface="Euphemia"/>
+        <a:font script="Cher" typeface="Plantagenet Cherokee"/>
+        <a:font script="Yiii" typeface="Microsoft Yi Baiti"/>
+        <a:font script="Tibt" typeface="Microsoft Himalaya"/>
+        <a:font script="Thaa" typeface="MV Boli"/>
+        <a:font script="Deva" typeface="Mangal"/>
+        <a:font script="Telu" typeface="Gautami"/>
+        <a:font script="Taml" typeface="Latha"/>
+        <a:font script="Syrc" typeface="Estrangelo Edessa"/>
+        <a:font script="Orya" typeface="Kalinga"/>
+        <a:font script="Mlym" typeface="Kartika"/>
+        <a:font script="Laoo" typeface="DokChampa"/>
+        <a:font script="Sinh" typeface="Iskoola Pota"/>
+        <a:font script="Mong" typeface="Mongolian Baiti"/>
+        <a:font script="Viet" typeface="Arial"/>
+        <a:font script="Uigh" typeface="Microsoft Uighur"/>
+        <a:font script="Geor" typeface="Sylfaen"/>
+      </a:minorFont>
+    </a:fontScheme>
+    <a:fmtScheme name="Office">
+      <a:fillStyleLst>
+        <a:solidFill>
+          <a:schemeClr val="phClr"/>
+        </a:solidFill>
+        <a:gradFill rotWithShape="1">
+          <a:gsLst>
+            <a:gs pos="0">
+              <a:schemeClr val="phClr">
+                <a:tint val="50000"/>
+                <a:satMod val="300000"/>
+              </a:schemeClr>
+            </a:gs>
+            <a:gs pos="35000">
+              <a:schemeClr val="phClr">
+                <a:tint val="37000"/>
+                <a:satMod val="300000"/>
+              </a:schemeClr>
+            </a:gs>
+            <a:gs pos="100000">
+              <a:schemeClr val="phClr">
+                <a:tint val="15000"/>
+                <a:satMod val="350000"/>
+              </a:schemeClr>
+            </a:gs>
+          </a:gsLst>
+          <a:lin ang="16200000" scaled="1"/>
+        </a:gradFill>
+        <a:gradFill rotWithShape="1">
+          <a:gsLst>
+            <a:gs pos="0">
+              <a:schemeClr val="phClr">
+                <a:tint val="100000"/>
+                <a:shade val="100000"/>
+                <a:satMod val="130000"/>
+              </a:schemeClr>
+            </a:gs>
+            <a:gs pos="100000">
+              <a:schemeClr val="phClr">
+                <a:tint val="50000"/>
+                <a:shade val="100000"/>
+                <a:satMod val="350000"/>
+              </a:schemeClr>
+            </a:gs>
+          </a:gsLst>
+          <a:lin ang="16200000" scaled="0"/>
+        </a:gradFill>
+      </a:fillStyleLst>
+      <a:lnStyleLst>
+        <a:ln w="9525" cap="flat" cmpd="sng" algn="ctr">
+          <a:solidFill>
+            <a:schemeClr val="phClr">
+              <a:shade val="95000"/>
+              <a:satMod val="105000"/>
+            </a:schemeClr>
+          </a:solidFill>
+          <a:prstDash val="solid"/>
+        </a:ln>
+        <a:ln w="25400" cap="flat" cmpd="sng" algn="ctr">
+          <a:solidFill>
+            <a:schemeClr val="phClr"/>
+          </a:solidFill>
+          <a:prstDash val="solid"/>
+        </a:ln>
+        <a:ln w="38100" cap="flat" cmpd="sng" algn="ctr">
+          <a:solidFill>
+            <a:schemeClr val="phClr"/>
+          </a:solidFill>
+          <a:prstDash val="solid"/>
+        </a:ln>
+      </a:lnStyleLst>
+      <a:effectStyleLst>
+        <a:effectStyle>
+          <a:effectLst>
+            <a:outerShdw blurRad="40000" dist="20000" dir="5400000" rotWithShape="0">
+              <a:srgbClr val="000000">
+                <a:alpha val="38000"/>
+              </a:srgbClr>
+            </a:outerShdw>
+          </a:effectLst>
+        </a:effectStyle>
+        <a:effectStyle>
+          <a:effectLst>
+            <a:outerShdw blurRad="40000" dist="23000" dir="5400000" rotWithShape="0">
+              <a:srgbClr val="000000">
+                <a:alpha val="35000"/>
+              </a:srgbClr>
+            </a:outerShdw>
+          </a:effectLst>
+        </a:effectStyle>
+        <a:effectStyle>
+          <a:effectLst>
+            <a:outerShdw blurRad="40000" dist="23000" dir="5400000" rotWithShape="0">
+              <a:srgbClr val="000000">
+                <a:alpha val="35000"/>
+              </a:srgbClr>
+            </a:outerShdw>
+          </a:effectLst>
+          <a:scene3d>
+            <a:camera prst="orthographicFront">
+              <a:rot lat="0" lon="0" rev="0"/>
+            </a:camera>
+            <a:lightRig rig="threePt" dir="t">
+              <a:rot lat="0" lon="0" rev="1200000"/>
+            </a:lightRig>
+          </a:scene3d>
+          <a:sp3d>
+            <a:bevelT w="63500" h="25400"/>
+          </a:sp3d>
+        </a:effectStyle>
+      </a:effectStyleLst>
+      <a:bgFillStyleLst>
+        <a:solidFill>
+          <a:schemeClr val="phClr"/>
+        </a:solidFill>
+        <a:gradFill rotWithShape="1">
+          <a:gsLst>
+            <a:gs pos="0">
+              <a:schemeClr val="phClr">
+                <a:tint val="40000"/>
+                <a:satMod val="350000"/>
+              </a:schemeClr>
+            </a:gs>
+            <a:gs pos="40000">
+              <a:schemeClr val="phClr">
+                <a:tint val="45000"/>
+                <a:shade val="99000"/>
+                <a:satMod val="350000"/>
+              </a:schemeClr>
+            </a:gs>
+            <a:gs pos="100000">
+              <a:schemeClr val="phClr">
+                <a:shade val="20000"/>
+                <a:satMod val="255000"/>
+              </a:schemeClr>
+            </a:gs>
+          </a:gsLst>
+          <a:path path="circle">
+            <a:fillToRect l="50000" t="-80000" r="50000" b="180000"/>
+          </a:path>
+        </a:gradFill>
+        <a:gradFill rotWithShape="1">
+          <a:gsLst>
+            <a:gs pos="0">
+              <a:schemeClr val="phClr">
+                <a:tint val="80000"/>
+                <a:satMod val="300000"/>
+              </a:schemeClr>
+            </a:gs>
+            <a:gs pos="100000">
+              <a:schemeClr val="phClr">
+                <a:shade val="30000"/>
+                <a:satMod val="200000"/>
+              </a:schemeClr>
+            </a:gs>
+          </a:gsLst>
+          <a:path path="circle">
+            <a:fillToRect l="50000" t="50000" r="50000" b="50000"/>
+          </a:path>
+        </a:gradFill>
+      </a:bgFillStyleLst>
+    </a:fmtScheme>
+  </a:themeElements>
+  <a:objectDefaults>
+    <a:spDef>
+      <a:spPr/>
+      <a:bodyPr/>
+      <a:lstStyle/>
+      <a:style>
+        <a:lnRef idx="1">
+          <a:schemeClr val="accent1"/>
+        </a:lnRef>
+        <a:fillRef idx="3">
+          <a:schemeClr val="accent1"/>
+        </a:fillRef>
+        <a:effectRef idx="2">
+          <a:schemeClr val="accent1"/>
+        </a:effectRef>
+        <a:fontRef idx="minor">
+          <a:schemeClr val="lt1"/>
+        </a:fontRef>
+      </a:style>
+    </a:spDef>
+    <a:lnDef>
+      <a:spPr/>
+      <a:bodyPr/>
+      <a:lstStyle/>
+      <a:style>
+        <a:lnRef idx="2">
+          <a:schemeClr val="accent1"/>
+        </a:lnRef>
+        <a:fillRef idx="0">
+          <a:schemeClr val="accent1"/>
+        </a:fillRef>
+        <a:effectRef idx="1">
+          <a:schemeClr val="accent1"/>
+        </a:effectRef>
+        <a:fontRef idx="minor">
+          <a:schemeClr val="tx1"/>
+        </a:fontRef>
+      </a:style>
+    </a:lnDef>
+  </a:objectDefaults>
+  <a:extraClrSchemeLst/>
+</a:theme>
 </file>
--- a/doc/user/schematic.pptx
+++ b/doc/user/schematic.pptx
@@ -107,6 +107,22 @@
       </a:defRPr>
     </a:lvl9pPr>
   </p:defaultTextStyle>
+  <p:extLst>
+    <p:ext uri="{EFAFB233-063F-42B5-8137-9DF3F51BA10A}">
+      <p15:sldGuideLst xmlns:p15="http://schemas.microsoft.com/office/powerpoint/2012/main">
+        <p15:guide id="1" orient="horz" pos="1152">
+          <p15:clr>
+            <a:srgbClr val="A4A3A4"/>
+          </p15:clr>
+        </p15:guide>
+        <p15:guide id="2" pos="3456">
+          <p15:clr>
+            <a:srgbClr val="A4A3A4"/>
+          </p15:clr>
+        </p15:guide>
+      </p15:sldGuideLst>
+    </p:ext>
+  </p:extLst>
 </p:presentation>
 </file>
 
@@ -192,7 +208,7 @@
           <a:p>
             <a:fld id="{B9514DE9-CE6D-7346-B6AB-D6C357691BE8}" type="datetimeFigureOut">
               <a:rPr lang="en-US" smtClean="0"/>
-              <a:t>3/27/14</a:t>
+              <a:t>5/6/2014</a:t>
             </a:fld>
             <a:endParaRPr lang="en-US"/>
           </a:p>
@@ -725,7 +741,7 @@
           <a:p>
             <a:fld id="{C8826383-DF83-DD4D-AFD5-5D0AB3397AB2}" type="datetimeFigureOut">
               <a:rPr lang="en-US" smtClean="0"/>
-              <a:t>3/27/14</a:t>
+              <a:t>5/6/2014</a:t>
             </a:fld>
             <a:endParaRPr lang="en-US"/>
           </a:p>
@@ -895,7 +911,7 @@
           <a:p>
             <a:fld id="{C8826383-DF83-DD4D-AFD5-5D0AB3397AB2}" type="datetimeFigureOut">
               <a:rPr lang="en-US" smtClean="0"/>
-              <a:t>3/27/14</a:t>
+              <a:t>5/6/2014</a:t>
             </a:fld>
             <a:endParaRPr lang="en-US"/>
           </a:p>
@@ -1075,7 +1091,7 @@
           <a:p>
             <a:fld id="{C8826383-DF83-DD4D-AFD5-5D0AB3397AB2}" type="datetimeFigureOut">
               <a:rPr lang="en-US" smtClean="0"/>
-              <a:t>3/27/14</a:t>
+              <a:t>5/6/2014</a:t>
             </a:fld>
             <a:endParaRPr lang="en-US"/>
           </a:p>
@@ -1245,7 +1261,7 @@
           <a:p>
             <a:fld id="{C8826383-DF83-DD4D-AFD5-5D0AB3397AB2}" type="datetimeFigureOut">
               <a:rPr lang="en-US" smtClean="0"/>
-              <a:t>3/27/14</a:t>
+              <a:t>5/6/2014</a:t>
             </a:fld>
             <a:endParaRPr lang="en-US"/>
           </a:p>
@@ -1491,7 +1507,7 @@
           <a:p>
             <a:fld id="{C8826383-DF83-DD4D-AFD5-5D0AB3397AB2}" type="datetimeFigureOut">
               <a:rPr lang="en-US" smtClean="0"/>
-              <a:t>3/27/14</a:t>
+              <a:t>5/6/2014</a:t>
             </a:fld>
             <a:endParaRPr lang="en-US"/>
           </a:p>
@@ -1779,7 +1795,7 @@
           <a:p>
             <a:fld id="{C8826383-DF83-DD4D-AFD5-5D0AB3397AB2}" type="datetimeFigureOut">
               <a:rPr lang="en-US" smtClean="0"/>
-              <a:t>3/27/14</a:t>
+              <a:t>5/6/2014</a:t>
             </a:fld>
             <a:endParaRPr lang="en-US"/>
           </a:p>
@@ -2206,7 +2222,7 @@
           <a:p>
             <a:fld id="{C8826383-DF83-DD4D-AFD5-5D0AB3397AB2}" type="datetimeFigureOut">
               <a:rPr lang="en-US" smtClean="0"/>
-              <a:t>3/27/14</a:t>
+              <a:t>5/6/2014</a:t>
             </a:fld>
             <a:endParaRPr lang="en-US"/>
           </a:p>
@@ -2324,7 +2340,7 @@
           <a:p>
             <a:fld id="{C8826383-DF83-DD4D-AFD5-5D0AB3397AB2}" type="datetimeFigureOut">
               <a:rPr lang="en-US" smtClean="0"/>
-              <a:t>3/27/14</a:t>
+              <a:t>5/6/2014</a:t>
             </a:fld>
             <a:endParaRPr lang="en-US"/>
           </a:p>
@@ -2419,7 +2435,7 @@
           <a:p>
             <a:fld id="{C8826383-DF83-DD4D-AFD5-5D0AB3397AB2}" type="datetimeFigureOut">
               <a:rPr lang="en-US" smtClean="0"/>
-              <a:t>3/27/14</a:t>
+              <a:t>5/6/2014</a:t>
             </a:fld>
             <a:endParaRPr lang="en-US"/>
           </a:p>
@@ -2696,7 +2712,7 @@
           <a:p>
             <a:fld id="{C8826383-DF83-DD4D-AFD5-5D0AB3397AB2}" type="datetimeFigureOut">
               <a:rPr lang="en-US" smtClean="0"/>
-              <a:t>3/27/14</a:t>
+              <a:t>5/6/2014</a:t>
             </a:fld>
             <a:endParaRPr lang="en-US"/>
           </a:p>
@@ -2949,7 +2965,7 @@
           <a:p>
             <a:fld id="{C8826383-DF83-DD4D-AFD5-5D0AB3397AB2}" type="datetimeFigureOut">
               <a:rPr lang="en-US" smtClean="0"/>
-              <a:t>3/27/14</a:t>
+              <a:t>5/6/2014</a:t>
             </a:fld>
             <a:endParaRPr lang="en-US"/>
           </a:p>
@@ -3162,7 +3178,7 @@
           <a:p>
             <a:fld id="{C8826383-DF83-DD4D-AFD5-5D0AB3397AB2}" type="datetimeFigureOut">
               <a:rPr lang="en-US" smtClean="0"/>
-              <a:t>3/27/14</a:t>
+              <a:t>5/6/2014</a:t>
             </a:fld>
             <a:endParaRPr lang="en-US"/>
           </a:p>
@@ -3698,8 +3714,8 @@
         </p:nvSpPr>
         <p:spPr>
           <a:xfrm>
-            <a:off x="161121" y="559251"/>
-            <a:ext cx="1487998" cy="672989"/>
+            <a:off x="74994" y="559251"/>
+            <a:ext cx="1574125" cy="672989"/>
           </a:xfrm>
           <a:prstGeom prst="flowChartMagneticDrum">
             <a:avLst/>
@@ -4663,11 +4679,7 @@
               <a:pPr algn="ctr"/>
               <a:r>
                 <a:rPr lang="en-US" sz="1400" dirty="0" smtClean="0"/>
-                <a:t>search-</a:t>
-              </a:r>
-              <a:r>
-                <a:rPr lang="en-US" sz="1400" dirty="0" smtClean="0"/>
-                <a:t>for-</a:t>
+                <a:t>search-for-</a:t>
               </a:r>
             </a:p>
             <a:p>
@@ -4937,11 +4949,7 @@
               <a:pPr algn="ctr"/>
               <a:r>
                 <a:rPr lang="en-US" sz="1400" dirty="0" smtClean="0"/>
-                <a:t>spectral</a:t>
-              </a:r>
-              <a:r>
-                <a:rPr lang="en-US" sz="1400" dirty="0" smtClean="0"/>
-                <a:t>-</a:t>
+                <a:t>spectral-</a:t>
               </a:r>
             </a:p>
             <a:p>

--- a/doc/user/schematic.pptx
+++ b/doc/user/schematic.pptx
@@ -3954,8 +3954,8 @@
         </p:nvSpPr>
         <p:spPr>
           <a:xfrm>
-            <a:off x="3643046" y="2228243"/>
-            <a:ext cx="1143000" cy="685800"/>
+            <a:off x="3636085" y="2228243"/>
+            <a:ext cx="1149961" cy="685800"/>
           </a:xfrm>
           <a:prstGeom prst="parallelogram">
             <a:avLst/>
@@ -5088,7 +5088,7 @@
           <p:spPr>
             <a:xfrm>
               <a:off x="3341054" y="2570575"/>
-              <a:ext cx="387717" cy="568"/>
+              <a:ext cx="380756" cy="568"/>
             </a:xfrm>
             <a:prstGeom prst="straightConnector1">
               <a:avLst/>

--- a/doc/user/schematic.pptx
+++ b/doc/user/schematic.pptx
@@ -208,7 +208,7 @@
           <a:p>
             <a:fld id="{B9514DE9-CE6D-7346-B6AB-D6C357691BE8}" type="datetimeFigureOut">
               <a:rPr lang="en-US" smtClean="0"/>
-              <a:t>5/6/2014</a:t>
+              <a:t>5/17/2016</a:t>
             </a:fld>
             <a:endParaRPr lang="en-US"/>
           </a:p>
@@ -741,7 +741,7 @@
           <a:p>
             <a:fld id="{C8826383-DF83-DD4D-AFD5-5D0AB3397AB2}" type="datetimeFigureOut">
               <a:rPr lang="en-US" smtClean="0"/>
-              <a:t>5/6/2014</a:t>
+              <a:t>5/17/2016</a:t>
             </a:fld>
             <a:endParaRPr lang="en-US"/>
           </a:p>
@@ -911,7 +911,7 @@
           <a:p>
             <a:fld id="{C8826383-DF83-DD4D-AFD5-5D0AB3397AB2}" type="datetimeFigureOut">
               <a:rPr lang="en-US" smtClean="0"/>
-              <a:t>5/6/2014</a:t>
+              <a:t>5/17/2016</a:t>
             </a:fld>
             <a:endParaRPr lang="en-US"/>
           </a:p>
@@ -1091,7 +1091,7 @@
           <a:p>
             <a:fld id="{C8826383-DF83-DD4D-AFD5-5D0AB3397AB2}" type="datetimeFigureOut">
               <a:rPr lang="en-US" smtClean="0"/>
-              <a:t>5/6/2014</a:t>
+              <a:t>5/17/2016</a:t>
             </a:fld>
             <a:endParaRPr lang="en-US"/>
           </a:p>
@@ -1261,7 +1261,7 @@
           <a:p>
             <a:fld id="{C8826383-DF83-DD4D-AFD5-5D0AB3397AB2}" type="datetimeFigureOut">
               <a:rPr lang="en-US" smtClean="0"/>
-              <a:t>5/6/2014</a:t>
+              <a:t>5/17/2016</a:t>
             </a:fld>
             <a:endParaRPr lang="en-US"/>
           </a:p>
@@ -1507,7 +1507,7 @@
           <a:p>
             <a:fld id="{C8826383-DF83-DD4D-AFD5-5D0AB3397AB2}" type="datetimeFigureOut">
               <a:rPr lang="en-US" smtClean="0"/>
-              <a:t>5/6/2014</a:t>
+              <a:t>5/17/2016</a:t>
             </a:fld>
             <a:endParaRPr lang="en-US"/>
           </a:p>
@@ -1795,7 +1795,7 @@
           <a:p>
             <a:fld id="{C8826383-DF83-DD4D-AFD5-5D0AB3397AB2}" type="datetimeFigureOut">
               <a:rPr lang="en-US" smtClean="0"/>
-              <a:t>5/6/2014</a:t>
+              <a:t>5/17/2016</a:t>
             </a:fld>
             <a:endParaRPr lang="en-US"/>
           </a:p>
@@ -2222,7 +2222,7 @@
           <a:p>
             <a:fld id="{C8826383-DF83-DD4D-AFD5-5D0AB3397AB2}" type="datetimeFigureOut">
               <a:rPr lang="en-US" smtClean="0"/>
-              <a:t>5/6/2014</a:t>
+              <a:t>5/17/2016</a:t>
             </a:fld>
             <a:endParaRPr lang="en-US"/>
           </a:p>
@@ -2340,7 +2340,7 @@
           <a:p>
             <a:fld id="{C8826383-DF83-DD4D-AFD5-5D0AB3397AB2}" type="datetimeFigureOut">
               <a:rPr lang="en-US" smtClean="0"/>
-              <a:t>5/6/2014</a:t>
+              <a:t>5/17/2016</a:t>
             </a:fld>
             <a:endParaRPr lang="en-US"/>
           </a:p>
@@ -2435,7 +2435,7 @@
           <a:p>
             <a:fld id="{C8826383-DF83-DD4D-AFD5-5D0AB3397AB2}" type="datetimeFigureOut">
               <a:rPr lang="en-US" smtClean="0"/>
-              <a:t>5/6/2014</a:t>
+              <a:t>5/17/2016</a:t>
             </a:fld>
             <a:endParaRPr lang="en-US"/>
           </a:p>
@@ -2712,7 +2712,7 @@
           <a:p>
             <a:fld id="{C8826383-DF83-DD4D-AFD5-5D0AB3397AB2}" type="datetimeFigureOut">
               <a:rPr lang="en-US" smtClean="0"/>
-              <a:t>5/6/2014</a:t>
+              <a:t>5/17/2016</a:t>
             </a:fld>
             <a:endParaRPr lang="en-US"/>
           </a:p>
@@ -2965,7 +2965,7 @@
           <a:p>
             <a:fld id="{C8826383-DF83-DD4D-AFD5-5D0AB3397AB2}" type="datetimeFigureOut">
               <a:rPr lang="en-US" smtClean="0"/>
-              <a:t>5/6/2014</a:t>
+              <a:t>5/17/2016</a:t>
             </a:fld>
             <a:endParaRPr lang="en-US"/>
           </a:p>
@@ -3178,7 +3178,7 @@
           <a:p>
             <a:fld id="{C8826383-DF83-DD4D-AFD5-5D0AB3397AB2}" type="datetimeFigureOut">
               <a:rPr lang="en-US" smtClean="0"/>
-              <a:t>5/6/2014</a:t>
+              <a:t>5/17/2016</a:t>
             </a:fld>
             <a:endParaRPr lang="en-US"/>
           </a:p>
@@ -3579,7 +3579,7 @@
             <a:avLst/>
           </a:prstGeom>
           <a:solidFill>
-            <a:schemeClr val="accent6">
+            <a:schemeClr val="accent1">
               <a:lumMod val="20000"/>
               <a:lumOff val="80000"/>
             </a:schemeClr>
@@ -3631,7 +3631,10 @@
             <a:avLst/>
           </a:prstGeom>
           <a:solidFill>
-            <a:schemeClr val="bg2"/>
+            <a:schemeClr val="accent1">
+              <a:lumMod val="20000"/>
+              <a:lumOff val="80000"/>
+            </a:schemeClr>
           </a:solidFill>
           <a:ln>
             <a:noFill/>
@@ -3676,7 +3679,10 @@
             <a:avLst/>
           </a:prstGeom>
           <a:solidFill>
-            <a:schemeClr val="bg2"/>
+            <a:schemeClr val="accent1">
+              <a:lumMod val="20000"/>
+              <a:lumOff val="80000"/>
+            </a:schemeClr>
           </a:solidFill>
           <a:ln>
             <a:noFill/>
@@ -3721,9 +3727,9 @@
             <a:avLst/>
           </a:prstGeom>
           <a:solidFill>
-            <a:schemeClr val="bg2">
-              <a:lumMod val="75000"/>
-            </a:schemeClr>
+            <a:srgbClr val="58B4DC">
+              <a:alpha val="20000"/>
+            </a:srgbClr>
           </a:solidFill>
           <a:ln>
             <a:solidFill>
@@ -3781,9 +3787,9 @@
             <a:avLst/>
           </a:prstGeom>
           <a:solidFill>
-            <a:schemeClr val="bg2">
-              <a:lumMod val="75000"/>
-            </a:schemeClr>
+            <a:srgbClr val="58B4DC">
+              <a:alpha val="20000"/>
+            </a:srgbClr>
           </a:solidFill>
           <a:ln>
             <a:solidFill>
@@ -3841,9 +3847,9 @@
             <a:avLst/>
           </a:prstGeom>
           <a:solidFill>
-            <a:schemeClr val="bg2">
-              <a:lumMod val="75000"/>
-            </a:schemeClr>
+            <a:srgbClr val="58B4DC">
+              <a:alpha val="20000"/>
+            </a:srgbClr>
           </a:solidFill>
           <a:ln>
             <a:solidFill>
@@ -3901,9 +3907,9 @@
             <a:avLst/>
           </a:prstGeom>
           <a:solidFill>
-            <a:schemeClr val="bg2">
-              <a:lumMod val="75000"/>
-            </a:schemeClr>
+            <a:srgbClr val="58B4DC">
+              <a:alpha val="20000"/>
+            </a:srgbClr>
           </a:solidFill>
           <a:ln>
             <a:solidFill>
@@ -3961,9 +3967,9 @@
             <a:avLst/>
           </a:prstGeom>
           <a:solidFill>
-            <a:schemeClr val="bg2">
-              <a:lumMod val="75000"/>
-            </a:schemeClr>
+            <a:srgbClr val="58B4DC">
+              <a:alpha val="20000"/>
+            </a:srgbClr>
           </a:solidFill>
           <a:ln>
             <a:solidFill>
@@ -4032,9 +4038,9 @@
             <a:avLst/>
           </a:prstGeom>
           <a:solidFill>
-            <a:schemeClr val="bg2">
-              <a:lumMod val="75000"/>
-            </a:schemeClr>
+            <a:srgbClr val="58B4DC">
+              <a:alpha val="20000"/>
+            </a:srgbClr>
           </a:solidFill>
           <a:ln>
             <a:solidFill>
@@ -4092,9 +4098,9 @@
             <a:avLst/>
           </a:prstGeom>
           <a:solidFill>
-            <a:schemeClr val="bg2">
-              <a:lumMod val="75000"/>
-            </a:schemeClr>
+            <a:srgbClr val="58B4DC">
+              <a:alpha val="20000"/>
+            </a:srgbClr>
           </a:solidFill>
           <a:ln>
             <a:solidFill>
@@ -4152,9 +4158,9 @@
             <a:avLst/>
           </a:prstGeom>
           <a:solidFill>
-            <a:schemeClr val="bg2">
-              <a:lumMod val="75000"/>
-            </a:schemeClr>
+            <a:srgbClr val="58B4DC">
+              <a:alpha val="20000"/>
+            </a:srgbClr>
           </a:solidFill>
           <a:ln>
             <a:solidFill>
@@ -4212,9 +4218,9 @@
             <a:avLst/>
           </a:prstGeom>
           <a:solidFill>
-            <a:schemeClr val="bg2">
-              <a:lumMod val="75000"/>
-            </a:schemeClr>
+            <a:srgbClr val="58B4DC">
+              <a:alpha val="20000"/>
+            </a:srgbClr>
           </a:solidFill>
           <a:ln>
             <a:solidFill>
@@ -4272,9 +4278,9 @@
             <a:avLst/>
           </a:prstGeom>
           <a:solidFill>
-            <a:schemeClr val="bg2">
-              <a:lumMod val="75000"/>
-            </a:schemeClr>
+            <a:srgbClr val="58B4DC">
+              <a:alpha val="20000"/>
+            </a:srgbClr>
           </a:solidFill>
           <a:ln>
             <a:solidFill>
@@ -4346,14 +4352,11 @@
               <a:avLst/>
             </a:prstGeom>
             <a:solidFill>
-              <a:schemeClr val="accent3">
-                <a:lumMod val="60000"/>
-                <a:lumOff val="40000"/>
-              </a:schemeClr>
+              <a:srgbClr val="58B4DC"/>
             </a:solidFill>
             <a:ln>
               <a:solidFill>
-                <a:schemeClr val="accent3"/>
+                <a:srgbClr val="0070C0"/>
               </a:solidFill>
             </a:ln>
           </p:spPr>
@@ -4524,14 +4527,11 @@
               <a:avLst/>
             </a:prstGeom>
             <a:solidFill>
-              <a:schemeClr val="accent3">
-                <a:lumMod val="60000"/>
-                <a:lumOff val="40000"/>
-              </a:schemeClr>
+              <a:srgbClr val="58B4DC"/>
             </a:solidFill>
             <a:ln>
               <a:solidFill>
-                <a:schemeClr val="accent3"/>
+                <a:srgbClr val="0070C0"/>
               </a:solidFill>
             </a:ln>
           </p:spPr>
@@ -4752,14 +4752,11 @@
               <a:avLst/>
             </a:prstGeom>
             <a:solidFill>
-              <a:schemeClr val="accent3">
-                <a:lumMod val="60000"/>
-                <a:lumOff val="40000"/>
-              </a:schemeClr>
+              <a:srgbClr val="58B4DC"/>
             </a:solidFill>
             <a:ln>
               <a:solidFill>
-                <a:schemeClr val="accent3"/>
+                <a:srgbClr val="0070C0"/>
               </a:solidFill>
             </a:ln>
           </p:spPr>
@@ -4993,36 +4990,6 @@
           </p:txBody>
         </p:sp>
       </p:grpSp>
-      <p:sp>
-        <p:nvSpPr>
-          <p:cNvPr id="30" name="TextBox 29"/>
-          <p:cNvSpPr txBox="1"/>
-          <p:nvPr/>
-        </p:nvSpPr>
-        <p:spPr>
-          <a:xfrm>
-            <a:off x="3459329" y="9476"/>
-            <a:ext cx="3996557" cy="369332"/>
-          </a:xfrm>
-          <a:prstGeom prst="rect">
-            <a:avLst/>
-          </a:prstGeom>
-          <a:noFill/>
-        </p:spPr>
-        <p:txBody>
-          <a:bodyPr wrap="none" rtlCol="0">
-            <a:spAutoFit/>
-          </a:bodyPr>
-          <a:lstStyle/>
-          <a:p>
-            <a:r>
-              <a:rPr lang="en-US" dirty="0" smtClean="0"/>
-              <a:t>Crux Tandem Mass Spectrometry Toolkit</a:t>
-            </a:r>
-            <a:endParaRPr lang="en-US" dirty="0"/>
-          </a:p>
-        </p:txBody>
-      </p:sp>
       <p:grpSp>
         <p:nvGrpSpPr>
           <p:cNvPr id="117" name="Group 116"/>
